--- a/파이썬 Serial 통신 실습.pptx
+++ b/파이썬 Serial 통신 실습.pptx
@@ -8,9 +8,14 @@
   <p:sldIdLst>
     <p:sldId id="676" r:id="rId3"/>
     <p:sldId id="732" r:id="rId4"/>
-    <p:sldId id="733" r:id="rId5"/>
-    <p:sldId id="736" r:id="rId6"/>
-    <p:sldId id="737" r:id="rId7"/>
+    <p:sldId id="738" r:id="rId5"/>
+    <p:sldId id="742" r:id="rId6"/>
+    <p:sldId id="733" r:id="rId7"/>
+    <p:sldId id="739" r:id="rId8"/>
+    <p:sldId id="740" r:id="rId9"/>
+    <p:sldId id="741" r:id="rId10"/>
+    <p:sldId id="736" r:id="rId11"/>
+    <p:sldId id="737" r:id="rId12"/>
   </p:sldIdLst>
   <p:sldSz cx="12192000" cy="6858000"/>
   <p:notesSz cx="6858000" cy="9144000"/>
@@ -5329,6 +5334,1202 @@
 </p:sld>
 </file>
 
+<file path=ppt/slides/slide10.xml><?xml version="1.0" encoding="utf-8"?>
+<p:sld xmlns:a="http://schemas.openxmlformats.org/drawingml/2006/main" xmlns:r="http://schemas.openxmlformats.org/officeDocument/2006/relationships" xmlns:p="http://schemas.openxmlformats.org/presentationml/2006/main">
+  <p:cSld>
+    <p:spTree>
+      <p:nvGrpSpPr>
+        <p:cNvPr id="1" name=""/>
+        <p:cNvGrpSpPr/>
+        <p:nvPr/>
+      </p:nvGrpSpPr>
+      <p:grpSpPr>
+        <a:xfrm>
+          <a:off x="0" y="0"/>
+          <a:ext cx="0" cy="0"/>
+          <a:chOff x="0" y="0"/>
+          <a:chExt cx="0" cy="0"/>
+        </a:xfrm>
+      </p:grpSpPr>
+      <p:sp>
+        <p:nvSpPr>
+          <p:cNvPr id="12" name="object 6">
+            <a:extLst>
+              <a:ext uri="{FF2B5EF4-FFF2-40B4-BE49-F238E27FC236}">
+                <a16:creationId xmlns:a16="http://schemas.microsoft.com/office/drawing/2014/main" id="{F935D878-D93A-497E-AC5B-22B56E179BEB}"/>
+              </a:ext>
+            </a:extLst>
+          </p:cNvPr>
+          <p:cNvSpPr/>
+          <p:nvPr/>
+        </p:nvSpPr>
+        <p:spPr>
+          <a:xfrm>
+            <a:off x="200532" y="889193"/>
+            <a:ext cx="5390756" cy="5794235"/>
+          </a:xfrm>
+          <a:custGeom>
+            <a:avLst/>
+            <a:gdLst/>
+            <a:ahLst/>
+            <a:cxnLst/>
+            <a:rect l="l" t="t" r="r" b="b"/>
+            <a:pathLst>
+              <a:path w="5311775" h="4003675">
+                <a:moveTo>
+                  <a:pt x="0" y="0"/>
+                </a:moveTo>
+                <a:lnTo>
+                  <a:pt x="5311343" y="0"/>
+                </a:lnTo>
+                <a:lnTo>
+                  <a:pt x="5311343" y="4003154"/>
+                </a:lnTo>
+                <a:lnTo>
+                  <a:pt x="0" y="4003154"/>
+                </a:lnTo>
+                <a:lnTo>
+                  <a:pt x="0" y="0"/>
+                </a:lnTo>
+                <a:close/>
+              </a:path>
+            </a:pathLst>
+          </a:custGeom>
+          <a:solidFill>
+            <a:srgbClr val="FFFFFF"/>
+          </a:solidFill>
+        </p:spPr>
+        <p:txBody>
+          <a:bodyPr wrap="square" lIns="0" tIns="0" rIns="0" bIns="0" rtlCol="0"/>
+          <a:lstStyle/>
+          <a:p>
+            <a:pPr marL="0" marR="0" lvl="0" indent="0" algn="l" defTabSz="914400" rtl="0" eaLnBrk="1" fontAlgn="auto" latinLnBrk="1" hangingPunct="1">
+              <a:lnSpc>
+                <a:spcPct val="100000"/>
+              </a:lnSpc>
+              <a:spcBef>
+                <a:spcPts val="0"/>
+              </a:spcBef>
+              <a:spcAft>
+                <a:spcPts val="0"/>
+              </a:spcAft>
+              <a:buClrTx/>
+              <a:buSzTx/>
+              <a:buFontTx/>
+              <a:buNone/>
+              <a:tabLst/>
+              <a:defRPr/>
+            </a:pPr>
+            <a:endParaRPr kumimoji="0" sz="1800" b="0" i="0" u="none" strike="noStrike" kern="1200" cap="none" spc="0" normalizeH="0" baseline="0" noProof="0">
+              <a:ln>
+                <a:noFill/>
+              </a:ln>
+              <a:solidFill>
+                <a:prstClr val="black"/>
+              </a:solidFill>
+              <a:effectLst/>
+              <a:uLnTx/>
+              <a:uFillTx/>
+              <a:latin typeface="Calibri"/>
+              <a:ea typeface="+mn-ea"/>
+              <a:cs typeface="+mn-cs"/>
+            </a:endParaRPr>
+          </a:p>
+        </p:txBody>
+      </p:sp>
+      <p:sp>
+        <p:nvSpPr>
+          <p:cNvPr id="13" name="object 7">
+            <a:extLst>
+              <a:ext uri="{FF2B5EF4-FFF2-40B4-BE49-F238E27FC236}">
+                <a16:creationId xmlns:a16="http://schemas.microsoft.com/office/drawing/2014/main" id="{F00A901E-FCC8-4B9A-B84A-0B3FB5EE3464}"/>
+              </a:ext>
+            </a:extLst>
+          </p:cNvPr>
+          <p:cNvSpPr/>
+          <p:nvPr/>
+        </p:nvSpPr>
+        <p:spPr>
+          <a:xfrm>
+            <a:off x="634709" y="1633360"/>
+            <a:ext cx="0" cy="4010025"/>
+          </a:xfrm>
+          <a:custGeom>
+            <a:avLst/>
+            <a:gdLst/>
+            <a:ahLst/>
+            <a:cxnLst/>
+            <a:rect l="l" t="t" r="r" b="b"/>
+            <a:pathLst>
+              <a:path h="4010025">
+                <a:moveTo>
+                  <a:pt x="0" y="0"/>
+                </a:moveTo>
+                <a:lnTo>
+                  <a:pt x="0" y="4009504"/>
+                </a:lnTo>
+              </a:path>
+            </a:pathLst>
+          </a:custGeom>
+          <a:ln w="6350">
+            <a:solidFill>
+              <a:srgbClr val="FFFFFF"/>
+            </a:solidFill>
+          </a:ln>
+        </p:spPr>
+        <p:txBody>
+          <a:bodyPr wrap="square" lIns="0" tIns="0" rIns="0" bIns="0" rtlCol="0"/>
+          <a:lstStyle/>
+          <a:p>
+            <a:pPr marL="0" marR="0" lvl="0" indent="0" algn="l" defTabSz="914400" rtl="0" eaLnBrk="1" fontAlgn="auto" latinLnBrk="1" hangingPunct="1">
+              <a:lnSpc>
+                <a:spcPct val="100000"/>
+              </a:lnSpc>
+              <a:spcBef>
+                <a:spcPts val="0"/>
+              </a:spcBef>
+              <a:spcAft>
+                <a:spcPts val="0"/>
+              </a:spcAft>
+              <a:buClrTx/>
+              <a:buSzTx/>
+              <a:buFontTx/>
+              <a:buNone/>
+              <a:tabLst/>
+              <a:defRPr/>
+            </a:pPr>
+            <a:endParaRPr kumimoji="0" sz="1800" b="0" i="0" u="none" strike="noStrike" kern="1200" cap="none" spc="0" normalizeH="0" baseline="0" noProof="0">
+              <a:ln>
+                <a:noFill/>
+              </a:ln>
+              <a:solidFill>
+                <a:prstClr val="black"/>
+              </a:solidFill>
+              <a:effectLst/>
+              <a:uLnTx/>
+              <a:uFillTx/>
+              <a:latin typeface="Calibri"/>
+              <a:ea typeface="+mn-ea"/>
+              <a:cs typeface="+mn-cs"/>
+            </a:endParaRPr>
+          </a:p>
+        </p:txBody>
+      </p:sp>
+      <p:sp>
+        <p:nvSpPr>
+          <p:cNvPr id="14" name="object 8">
+            <a:extLst>
+              <a:ext uri="{FF2B5EF4-FFF2-40B4-BE49-F238E27FC236}">
+                <a16:creationId xmlns:a16="http://schemas.microsoft.com/office/drawing/2014/main" id="{4CCDA6C6-2EDD-4D44-B201-64041A8A60FB}"/>
+              </a:ext>
+            </a:extLst>
+          </p:cNvPr>
+          <p:cNvSpPr/>
+          <p:nvPr/>
+        </p:nvSpPr>
+        <p:spPr>
+          <a:xfrm>
+            <a:off x="6108606" y="1633360"/>
+            <a:ext cx="0" cy="4010025"/>
+          </a:xfrm>
+          <a:custGeom>
+            <a:avLst/>
+            <a:gdLst/>
+            <a:ahLst/>
+            <a:cxnLst/>
+            <a:rect l="l" t="t" r="r" b="b"/>
+            <a:pathLst>
+              <a:path h="4010025">
+                <a:moveTo>
+                  <a:pt x="0" y="0"/>
+                </a:moveTo>
+                <a:lnTo>
+                  <a:pt x="0" y="4009504"/>
+                </a:lnTo>
+              </a:path>
+            </a:pathLst>
+          </a:custGeom>
+          <a:ln w="6350">
+            <a:solidFill>
+              <a:srgbClr val="FFFFFF"/>
+            </a:solidFill>
+          </a:ln>
+        </p:spPr>
+        <p:txBody>
+          <a:bodyPr wrap="square" lIns="0" tIns="0" rIns="0" bIns="0" rtlCol="0"/>
+          <a:lstStyle/>
+          <a:p>
+            <a:pPr marL="0" marR="0" lvl="0" indent="0" algn="l" defTabSz="914400" rtl="0" eaLnBrk="1" fontAlgn="auto" latinLnBrk="1" hangingPunct="1">
+              <a:lnSpc>
+                <a:spcPct val="100000"/>
+              </a:lnSpc>
+              <a:spcBef>
+                <a:spcPts val="0"/>
+              </a:spcBef>
+              <a:spcAft>
+                <a:spcPts val="0"/>
+              </a:spcAft>
+              <a:buClrTx/>
+              <a:buSzTx/>
+              <a:buFontTx/>
+              <a:buNone/>
+              <a:tabLst/>
+              <a:defRPr/>
+            </a:pPr>
+            <a:endParaRPr kumimoji="0" sz="1800" b="0" i="0" u="none" strike="noStrike" kern="1200" cap="none" spc="0" normalizeH="0" baseline="0" noProof="0">
+              <a:ln>
+                <a:noFill/>
+              </a:ln>
+              <a:solidFill>
+                <a:prstClr val="black"/>
+              </a:solidFill>
+              <a:effectLst/>
+              <a:uLnTx/>
+              <a:uFillTx/>
+              <a:latin typeface="Calibri"/>
+              <a:ea typeface="+mn-ea"/>
+              <a:cs typeface="+mn-cs"/>
+            </a:endParaRPr>
+          </a:p>
+        </p:txBody>
+      </p:sp>
+      <p:sp>
+        <p:nvSpPr>
+          <p:cNvPr id="15" name="object 9">
+            <a:extLst>
+              <a:ext uri="{FF2B5EF4-FFF2-40B4-BE49-F238E27FC236}">
+                <a16:creationId xmlns:a16="http://schemas.microsoft.com/office/drawing/2014/main" id="{C4E2712A-DCBA-49B7-9AB1-4D41D457D3D7}"/>
+              </a:ext>
+            </a:extLst>
+          </p:cNvPr>
+          <p:cNvSpPr/>
+          <p:nvPr/>
+        </p:nvSpPr>
+        <p:spPr>
+          <a:xfrm>
+            <a:off x="631534" y="1636535"/>
+            <a:ext cx="5480685" cy="0"/>
+          </a:xfrm>
+          <a:custGeom>
+            <a:avLst/>
+            <a:gdLst/>
+            <a:ahLst/>
+            <a:cxnLst/>
+            <a:rect l="l" t="t" r="r" b="b"/>
+            <a:pathLst>
+              <a:path w="5480685">
+                <a:moveTo>
+                  <a:pt x="0" y="0"/>
+                </a:moveTo>
+                <a:lnTo>
+                  <a:pt x="5480253" y="0"/>
+                </a:lnTo>
+              </a:path>
+            </a:pathLst>
+          </a:custGeom>
+          <a:ln w="6350">
+            <a:solidFill>
+              <a:srgbClr val="FFFFFF"/>
+            </a:solidFill>
+          </a:ln>
+        </p:spPr>
+        <p:txBody>
+          <a:bodyPr wrap="square" lIns="0" tIns="0" rIns="0" bIns="0" rtlCol="0"/>
+          <a:lstStyle/>
+          <a:p>
+            <a:pPr marL="0" marR="0" lvl="0" indent="0" algn="l" defTabSz="914400" rtl="0" eaLnBrk="1" fontAlgn="auto" latinLnBrk="1" hangingPunct="1">
+              <a:lnSpc>
+                <a:spcPct val="100000"/>
+              </a:lnSpc>
+              <a:spcBef>
+                <a:spcPts val="0"/>
+              </a:spcBef>
+              <a:spcAft>
+                <a:spcPts val="0"/>
+              </a:spcAft>
+              <a:buClrTx/>
+              <a:buSzTx/>
+              <a:buFontTx/>
+              <a:buNone/>
+              <a:tabLst/>
+              <a:defRPr/>
+            </a:pPr>
+            <a:endParaRPr kumimoji="0" sz="1800" b="0" i="0" u="none" strike="noStrike" kern="1200" cap="none" spc="0" normalizeH="0" baseline="0" noProof="0">
+              <a:ln>
+                <a:noFill/>
+              </a:ln>
+              <a:solidFill>
+                <a:prstClr val="black"/>
+              </a:solidFill>
+              <a:effectLst/>
+              <a:uLnTx/>
+              <a:uFillTx/>
+              <a:latin typeface="Calibri"/>
+              <a:ea typeface="+mn-ea"/>
+              <a:cs typeface="+mn-cs"/>
+            </a:endParaRPr>
+          </a:p>
+        </p:txBody>
+      </p:sp>
+      <p:sp>
+        <p:nvSpPr>
+          <p:cNvPr id="16" name="object 10">
+            <a:extLst>
+              <a:ext uri="{FF2B5EF4-FFF2-40B4-BE49-F238E27FC236}">
+                <a16:creationId xmlns:a16="http://schemas.microsoft.com/office/drawing/2014/main" id="{2DE5FCB2-3556-493B-828D-21139AA29959}"/>
+              </a:ext>
+            </a:extLst>
+          </p:cNvPr>
+          <p:cNvSpPr/>
+          <p:nvPr/>
+        </p:nvSpPr>
+        <p:spPr>
+          <a:xfrm>
+            <a:off x="631534" y="5639693"/>
+            <a:ext cx="5480685" cy="0"/>
+          </a:xfrm>
+          <a:custGeom>
+            <a:avLst/>
+            <a:gdLst/>
+            <a:ahLst/>
+            <a:cxnLst/>
+            <a:rect l="l" t="t" r="r" b="b"/>
+            <a:pathLst>
+              <a:path w="5480685">
+                <a:moveTo>
+                  <a:pt x="0" y="0"/>
+                </a:moveTo>
+                <a:lnTo>
+                  <a:pt x="5480253" y="0"/>
+                </a:lnTo>
+              </a:path>
+            </a:pathLst>
+          </a:custGeom>
+          <a:ln w="6350">
+            <a:solidFill>
+              <a:srgbClr val="FFFFFF"/>
+            </a:solidFill>
+          </a:ln>
+        </p:spPr>
+        <p:txBody>
+          <a:bodyPr wrap="square" lIns="0" tIns="0" rIns="0" bIns="0" rtlCol="0"/>
+          <a:lstStyle/>
+          <a:p>
+            <a:pPr marL="0" marR="0" lvl="0" indent="0" algn="l" defTabSz="914400" rtl="0" eaLnBrk="1" fontAlgn="auto" latinLnBrk="1" hangingPunct="1">
+              <a:lnSpc>
+                <a:spcPct val="100000"/>
+              </a:lnSpc>
+              <a:spcBef>
+                <a:spcPts val="0"/>
+              </a:spcBef>
+              <a:spcAft>
+                <a:spcPts val="0"/>
+              </a:spcAft>
+              <a:buClrTx/>
+              <a:buSzTx/>
+              <a:buFontTx/>
+              <a:buNone/>
+              <a:tabLst/>
+              <a:defRPr/>
+            </a:pPr>
+            <a:endParaRPr kumimoji="0" sz="1800" b="0" i="0" u="none" strike="noStrike" kern="1200" cap="none" spc="0" normalizeH="0" baseline="0" noProof="0">
+              <a:ln>
+                <a:noFill/>
+              </a:ln>
+              <a:solidFill>
+                <a:prstClr val="black"/>
+              </a:solidFill>
+              <a:effectLst/>
+              <a:uLnTx/>
+              <a:uFillTx/>
+              <a:latin typeface="Calibri"/>
+              <a:ea typeface="+mn-ea"/>
+              <a:cs typeface="+mn-cs"/>
+            </a:endParaRPr>
+          </a:p>
+        </p:txBody>
+      </p:sp>
+      <p:sp>
+        <p:nvSpPr>
+          <p:cNvPr id="17" name="object 11">
+            <a:extLst>
+              <a:ext uri="{FF2B5EF4-FFF2-40B4-BE49-F238E27FC236}">
+                <a16:creationId xmlns:a16="http://schemas.microsoft.com/office/drawing/2014/main" id="{7D407415-777E-40AF-AF4B-AFFC57B0F230}"/>
+              </a:ext>
+            </a:extLst>
+          </p:cNvPr>
+          <p:cNvSpPr txBox="1"/>
+          <p:nvPr/>
+        </p:nvSpPr>
+        <p:spPr>
+          <a:xfrm>
+            <a:off x="273482" y="889193"/>
+            <a:ext cx="6558701" cy="4013919"/>
+          </a:xfrm>
+          <a:prstGeom prst="rect">
+            <a:avLst/>
+          </a:prstGeom>
+        </p:spPr>
+        <p:txBody>
+          <a:bodyPr vert="horz" wrap="square" lIns="0" tIns="134620" rIns="0" bIns="0" rtlCol="0">
+            <a:spAutoFit/>
+          </a:bodyPr>
+          <a:lstStyle/>
+          <a:p>
+            <a:r>
+              <a:rPr lang="en-US" altLang="ko-KR" dirty="0"/>
+              <a:t> </a:t>
+            </a:r>
+            <a:r>
+              <a:rPr lang="en-US" altLang="ko-KR" dirty="0" err="1"/>
+              <a:t>self.slabel</a:t>
+            </a:r>
+            <a:r>
+              <a:rPr lang="en-US" altLang="ko-KR" dirty="0"/>
+              <a:t> = </a:t>
+            </a:r>
+            <a:r>
+              <a:rPr lang="en-US" altLang="ko-KR" dirty="0" err="1"/>
+              <a:t>tk.Label</a:t>
+            </a:r>
+            <a:r>
+              <a:rPr lang="en-US" altLang="ko-KR" dirty="0"/>
+              <a:t>(self, text="Send:")</a:t>
+            </a:r>
+          </a:p>
+          <a:p>
+            <a:r>
+              <a:rPr lang="en-US" altLang="ko-KR" dirty="0"/>
+              <a:t>        </a:t>
+            </a:r>
+            <a:r>
+              <a:rPr lang="en-US" altLang="ko-KR" dirty="0" err="1"/>
+              <a:t>self.slabel.grid</a:t>
+            </a:r>
+            <a:r>
+              <a:rPr lang="en-US" altLang="ko-KR" dirty="0"/>
+              <a:t>(row=1, column=0)</a:t>
+            </a:r>
+          </a:p>
+          <a:p>
+            <a:endParaRPr lang="en-US" altLang="ko-KR" dirty="0"/>
+          </a:p>
+          <a:p>
+            <a:r>
+              <a:rPr lang="en-US" altLang="ko-KR" dirty="0"/>
+              <a:t>        </a:t>
+            </a:r>
+            <a:r>
+              <a:rPr lang="en-US" altLang="ko-KR" dirty="0" err="1"/>
+              <a:t>self.sdata</a:t>
+            </a:r>
+            <a:r>
+              <a:rPr lang="en-US" altLang="ko-KR" dirty="0"/>
+              <a:t> = </a:t>
+            </a:r>
+            <a:r>
+              <a:rPr lang="en-US" altLang="ko-KR" dirty="0" err="1"/>
+              <a:t>tk.Entry</a:t>
+            </a:r>
+            <a:r>
+              <a:rPr lang="en-US" altLang="ko-KR" dirty="0"/>
+              <a:t>(self)</a:t>
+            </a:r>
+          </a:p>
+          <a:p>
+            <a:r>
+              <a:rPr lang="en-US" altLang="ko-KR" dirty="0"/>
+              <a:t>        </a:t>
+            </a:r>
+            <a:r>
+              <a:rPr lang="en-US" altLang="ko-KR" dirty="0" err="1"/>
+              <a:t>self.sdata.grid</a:t>
+            </a:r>
+            <a:r>
+              <a:rPr lang="en-US" altLang="ko-KR" dirty="0"/>
+              <a:t>(row=1, column=1)</a:t>
+            </a:r>
+          </a:p>
+          <a:p>
+            <a:endParaRPr lang="en-US" altLang="ko-KR" dirty="0"/>
+          </a:p>
+          <a:p>
+            <a:r>
+              <a:rPr lang="en-US" altLang="ko-KR" dirty="0"/>
+              <a:t>        </a:t>
+            </a:r>
+            <a:r>
+              <a:rPr lang="en-US" altLang="ko-KR" dirty="0" err="1"/>
+              <a:t>self.btn_send</a:t>
+            </a:r>
+            <a:r>
+              <a:rPr lang="en-US" altLang="ko-KR" dirty="0"/>
+              <a:t> = </a:t>
+            </a:r>
+            <a:r>
+              <a:rPr lang="en-US" altLang="ko-KR" dirty="0" err="1"/>
+              <a:t>tk.Button</a:t>
+            </a:r>
+            <a:r>
+              <a:rPr lang="en-US" altLang="ko-KR" dirty="0"/>
+              <a:t>(self, text="Send", width=15, command=</a:t>
+            </a:r>
+            <a:r>
+              <a:rPr lang="en-US" altLang="ko-KR" dirty="0" err="1"/>
+              <a:t>self.on_send</a:t>
+            </a:r>
+            <a:r>
+              <a:rPr lang="en-US" altLang="ko-KR" dirty="0"/>
+              <a:t>)</a:t>
+            </a:r>
+          </a:p>
+          <a:p>
+            <a:r>
+              <a:rPr lang="en-US" altLang="ko-KR" dirty="0"/>
+              <a:t>        </a:t>
+            </a:r>
+            <a:r>
+              <a:rPr lang="en-US" altLang="ko-KR" dirty="0" err="1"/>
+              <a:t>self.btn_send.grid</a:t>
+            </a:r>
+            <a:r>
+              <a:rPr lang="en-US" altLang="ko-KR" dirty="0"/>
+              <a:t>(row=2, column=1)</a:t>
+            </a:r>
+          </a:p>
+          <a:p>
+            <a:endParaRPr lang="en-US" altLang="ko-KR" dirty="0"/>
+          </a:p>
+          <a:p>
+            <a:r>
+              <a:rPr lang="en-US" altLang="ko-KR" dirty="0"/>
+              <a:t>        </a:t>
+            </a:r>
+            <a:r>
+              <a:rPr lang="en-US" altLang="ko-KR" dirty="0" err="1"/>
+              <a:t>self.queue</a:t>
+            </a:r>
+            <a:r>
+              <a:rPr lang="en-US" altLang="ko-KR" dirty="0"/>
+              <a:t> = </a:t>
+            </a:r>
+            <a:r>
+              <a:rPr lang="en-US" altLang="ko-KR" dirty="0" err="1"/>
+              <a:t>queue.Queue</a:t>
+            </a:r>
+            <a:r>
+              <a:rPr lang="en-US" altLang="ko-KR" dirty="0"/>
+              <a:t>()</a:t>
+            </a:r>
+          </a:p>
+          <a:p>
+            <a:r>
+              <a:rPr lang="en-US" altLang="ko-KR" dirty="0"/>
+              <a:t>        </a:t>
+            </a:r>
+            <a:r>
+              <a:rPr lang="en-US" altLang="ko-KR" dirty="0" err="1"/>
+              <a:t>self.thread</a:t>
+            </a:r>
+            <a:r>
+              <a:rPr lang="en-US" altLang="ko-KR" dirty="0"/>
+              <a:t> = </a:t>
+            </a:r>
+            <a:r>
+              <a:rPr lang="en-US" altLang="ko-KR" dirty="0" err="1"/>
+              <a:t>SerialThread</a:t>
+            </a:r>
+            <a:r>
+              <a:rPr lang="en-US" altLang="ko-KR" dirty="0"/>
+              <a:t>(</a:t>
+            </a:r>
+            <a:r>
+              <a:rPr lang="en-US" altLang="ko-KR" dirty="0" err="1"/>
+              <a:t>self.queue</a:t>
+            </a:r>
+            <a:r>
+              <a:rPr lang="en-US" altLang="ko-KR" dirty="0"/>
+              <a:t>)</a:t>
+            </a:r>
+          </a:p>
+          <a:p>
+            <a:r>
+              <a:rPr lang="en-US" altLang="ko-KR" dirty="0"/>
+              <a:t>        </a:t>
+            </a:r>
+            <a:r>
+              <a:rPr lang="en-US" altLang="ko-KR" dirty="0" err="1"/>
+              <a:t>self.thread.start</a:t>
+            </a:r>
+            <a:r>
+              <a:rPr lang="en-US" altLang="ko-KR" dirty="0"/>
+              <a:t>()</a:t>
+            </a:r>
+          </a:p>
+          <a:p>
+            <a:r>
+              <a:rPr lang="en-US" altLang="ko-KR" dirty="0"/>
+              <a:t>        </a:t>
+            </a:r>
+            <a:r>
+              <a:rPr lang="en-US" altLang="ko-KR" dirty="0" err="1"/>
+              <a:t>self.process_serial</a:t>
+            </a:r>
+            <a:r>
+              <a:rPr lang="en-US" altLang="ko-KR" dirty="0"/>
+              <a:t>()</a:t>
+            </a:r>
+          </a:p>
+        </p:txBody>
+      </p:sp>
+      <p:sp>
+        <p:nvSpPr>
+          <p:cNvPr id="20" name="object 2">
+            <a:extLst>
+              <a:ext uri="{FF2B5EF4-FFF2-40B4-BE49-F238E27FC236}">
+                <a16:creationId xmlns:a16="http://schemas.microsoft.com/office/drawing/2014/main" id="{ACE4083B-9AD4-407D-89DB-CF8434FE9399}"/>
+              </a:ext>
+            </a:extLst>
+          </p:cNvPr>
+          <p:cNvSpPr txBox="1">
+            <a:spLocks noGrp="1"/>
+          </p:cNvSpPr>
+          <p:nvPr>
+            <p:ph type="title"/>
+          </p:nvPr>
+        </p:nvSpPr>
+        <p:spPr>
+          <a:xfrm>
+            <a:off x="727787" y="57135"/>
+            <a:ext cx="9196979" cy="751488"/>
+          </a:xfrm>
+          <a:prstGeom prst="rect">
+            <a:avLst/>
+          </a:prstGeom>
+        </p:spPr>
+        <p:txBody>
+          <a:bodyPr vert="horz" wrap="square" lIns="0" tIns="12700" rIns="0" bIns="0" rtlCol="0">
+            <a:spAutoFit/>
+          </a:bodyPr>
+          <a:lstStyle/>
+          <a:p>
+            <a:pPr marL="12700">
+              <a:lnSpc>
+                <a:spcPct val="100000"/>
+              </a:lnSpc>
+              <a:spcBef>
+                <a:spcPts val="100"/>
+              </a:spcBef>
+            </a:pPr>
+            <a:r>
+              <a:rPr lang="ko-KR" altLang="en-US" spc="-50" dirty="0"/>
+              <a:t>파이썬 </a:t>
+            </a:r>
+            <a:r>
+              <a:rPr lang="en-US" altLang="ko-KR" spc="-50" dirty="0"/>
+              <a:t>Serial </a:t>
+            </a:r>
+            <a:r>
+              <a:rPr lang="ko-KR" altLang="en-US" spc="-50" dirty="0"/>
+              <a:t>통신 실습</a:t>
+            </a:r>
+          </a:p>
+        </p:txBody>
+      </p:sp>
+      <p:sp>
+        <p:nvSpPr>
+          <p:cNvPr id="21" name="object 3">
+            <a:extLst>
+              <a:ext uri="{FF2B5EF4-FFF2-40B4-BE49-F238E27FC236}">
+                <a16:creationId xmlns:a16="http://schemas.microsoft.com/office/drawing/2014/main" id="{6928F275-549B-46F1-842C-AB0E52AB3B7E}"/>
+              </a:ext>
+            </a:extLst>
+          </p:cNvPr>
+          <p:cNvSpPr/>
+          <p:nvPr/>
+        </p:nvSpPr>
+        <p:spPr>
+          <a:xfrm>
+            <a:off x="549275" y="826429"/>
+            <a:ext cx="11642725" cy="0"/>
+          </a:xfrm>
+          <a:custGeom>
+            <a:avLst/>
+            <a:gdLst/>
+            <a:ahLst/>
+            <a:cxnLst/>
+            <a:rect l="l" t="t" r="r" b="b"/>
+            <a:pathLst>
+              <a:path w="11642725">
+                <a:moveTo>
+                  <a:pt x="0" y="0"/>
+                </a:moveTo>
+                <a:lnTo>
+                  <a:pt x="11642458" y="0"/>
+                </a:lnTo>
+              </a:path>
+            </a:pathLst>
+          </a:custGeom>
+          <a:ln w="6096">
+            <a:solidFill>
+              <a:srgbClr val="FFC000"/>
+            </a:solidFill>
+          </a:ln>
+        </p:spPr>
+        <p:txBody>
+          <a:bodyPr wrap="square" lIns="0" tIns="0" rIns="0" bIns="0" rtlCol="0"/>
+          <a:lstStyle/>
+          <a:p>
+            <a:pPr marL="0" marR="0" lvl="0" indent="0" algn="l" defTabSz="914400" rtl="0" eaLnBrk="1" fontAlgn="auto" latinLnBrk="1" hangingPunct="1">
+              <a:lnSpc>
+                <a:spcPct val="100000"/>
+              </a:lnSpc>
+              <a:spcBef>
+                <a:spcPts val="0"/>
+              </a:spcBef>
+              <a:spcAft>
+                <a:spcPts val="0"/>
+              </a:spcAft>
+              <a:buClrTx/>
+              <a:buSzTx/>
+              <a:buFontTx/>
+              <a:buNone/>
+              <a:tabLst/>
+              <a:defRPr/>
+            </a:pPr>
+            <a:endParaRPr kumimoji="0" sz="1800" b="0" i="0" u="none" strike="noStrike" kern="1200" cap="none" spc="0" normalizeH="0" baseline="0" noProof="0">
+              <a:ln>
+                <a:noFill/>
+              </a:ln>
+              <a:solidFill>
+                <a:prstClr val="black"/>
+              </a:solidFill>
+              <a:effectLst/>
+              <a:uLnTx/>
+              <a:uFillTx/>
+              <a:latin typeface="Calibri"/>
+              <a:ea typeface="+mn-ea"/>
+              <a:cs typeface="+mn-cs"/>
+            </a:endParaRPr>
+          </a:p>
+        </p:txBody>
+      </p:sp>
+      <p:sp>
+        <p:nvSpPr>
+          <p:cNvPr id="22" name="object 4">
+            <a:extLst>
+              <a:ext uri="{FF2B5EF4-FFF2-40B4-BE49-F238E27FC236}">
+                <a16:creationId xmlns:a16="http://schemas.microsoft.com/office/drawing/2014/main" id="{CBE81C76-33F8-423B-B2E7-58643A74939C}"/>
+              </a:ext>
+            </a:extLst>
+          </p:cNvPr>
+          <p:cNvSpPr/>
+          <p:nvPr/>
+        </p:nvSpPr>
+        <p:spPr>
+          <a:xfrm>
+            <a:off x="479246" y="781471"/>
+            <a:ext cx="89915" cy="89916"/>
+          </a:xfrm>
+          <a:prstGeom prst="rect">
+            <a:avLst/>
+          </a:prstGeom>
+          <a:blipFill>
+            <a:blip r:embed="rId2" cstate="print"/>
+            <a:stretch>
+              <a:fillRect/>
+            </a:stretch>
+          </a:blipFill>
+        </p:spPr>
+        <p:txBody>
+          <a:bodyPr wrap="square" lIns="0" tIns="0" rIns="0" bIns="0" rtlCol="0"/>
+          <a:lstStyle/>
+          <a:p>
+            <a:pPr marL="0" marR="0" lvl="0" indent="0" algn="l" defTabSz="914400" rtl="0" eaLnBrk="1" fontAlgn="auto" latinLnBrk="1" hangingPunct="1">
+              <a:lnSpc>
+                <a:spcPct val="100000"/>
+              </a:lnSpc>
+              <a:spcBef>
+                <a:spcPts val="0"/>
+              </a:spcBef>
+              <a:spcAft>
+                <a:spcPts val="0"/>
+              </a:spcAft>
+              <a:buClrTx/>
+              <a:buSzTx/>
+              <a:buFontTx/>
+              <a:buNone/>
+              <a:tabLst/>
+              <a:defRPr/>
+            </a:pPr>
+            <a:endParaRPr kumimoji="0" sz="1800" b="0" i="0" u="none" strike="noStrike" kern="1200" cap="none" spc="0" normalizeH="0" baseline="0" noProof="0">
+              <a:ln>
+                <a:noFill/>
+              </a:ln>
+              <a:solidFill>
+                <a:prstClr val="black"/>
+              </a:solidFill>
+              <a:effectLst/>
+              <a:uLnTx/>
+              <a:uFillTx/>
+              <a:latin typeface="Calibri"/>
+              <a:ea typeface="+mn-ea"/>
+              <a:cs typeface="+mn-cs"/>
+            </a:endParaRPr>
+          </a:p>
+        </p:txBody>
+      </p:sp>
+      <p:sp>
+        <p:nvSpPr>
+          <p:cNvPr id="18" name="object 6">
+            <a:extLst>
+              <a:ext uri="{FF2B5EF4-FFF2-40B4-BE49-F238E27FC236}">
+                <a16:creationId xmlns:a16="http://schemas.microsoft.com/office/drawing/2014/main" id="{5C28AEC8-E2FB-4339-AD13-F13171789871}"/>
+              </a:ext>
+            </a:extLst>
+          </p:cNvPr>
+          <p:cNvSpPr/>
+          <p:nvPr/>
+        </p:nvSpPr>
+        <p:spPr>
+          <a:xfrm>
+            <a:off x="6112219" y="906999"/>
+            <a:ext cx="5390756" cy="5951001"/>
+          </a:xfrm>
+          <a:custGeom>
+            <a:avLst/>
+            <a:gdLst/>
+            <a:ahLst/>
+            <a:cxnLst/>
+            <a:rect l="l" t="t" r="r" b="b"/>
+            <a:pathLst>
+              <a:path w="5311775" h="4003675">
+                <a:moveTo>
+                  <a:pt x="0" y="0"/>
+                </a:moveTo>
+                <a:lnTo>
+                  <a:pt x="5311343" y="0"/>
+                </a:lnTo>
+                <a:lnTo>
+                  <a:pt x="5311343" y="4003154"/>
+                </a:lnTo>
+                <a:lnTo>
+                  <a:pt x="0" y="4003154"/>
+                </a:lnTo>
+                <a:lnTo>
+                  <a:pt x="0" y="0"/>
+                </a:lnTo>
+                <a:close/>
+              </a:path>
+            </a:pathLst>
+          </a:custGeom>
+          <a:solidFill>
+            <a:srgbClr val="FFFFFF"/>
+          </a:solidFill>
+        </p:spPr>
+        <p:txBody>
+          <a:bodyPr wrap="square" lIns="0" tIns="0" rIns="0" bIns="0" rtlCol="0"/>
+          <a:lstStyle/>
+          <a:p>
+            <a:pPr marL="0" marR="0" lvl="0" indent="0" algn="l" defTabSz="914400" rtl="0" eaLnBrk="1" fontAlgn="auto" latinLnBrk="1" hangingPunct="1">
+              <a:lnSpc>
+                <a:spcPct val="100000"/>
+              </a:lnSpc>
+              <a:spcBef>
+                <a:spcPts val="0"/>
+              </a:spcBef>
+              <a:spcAft>
+                <a:spcPts val="0"/>
+              </a:spcAft>
+              <a:buClrTx/>
+              <a:buSzTx/>
+              <a:buFontTx/>
+              <a:buNone/>
+              <a:tabLst/>
+              <a:defRPr/>
+            </a:pPr>
+            <a:endParaRPr kumimoji="0" sz="1800" b="0" i="0" u="none" strike="noStrike" kern="1200" cap="none" spc="0" normalizeH="0" baseline="0" noProof="0">
+              <a:ln>
+                <a:noFill/>
+              </a:ln>
+              <a:solidFill>
+                <a:prstClr val="black"/>
+              </a:solidFill>
+              <a:effectLst/>
+              <a:uLnTx/>
+              <a:uFillTx/>
+              <a:latin typeface="Calibri"/>
+              <a:ea typeface="+mn-ea"/>
+              <a:cs typeface="+mn-cs"/>
+            </a:endParaRPr>
+          </a:p>
+        </p:txBody>
+      </p:sp>
+      <p:sp>
+        <p:nvSpPr>
+          <p:cNvPr id="19" name="object 11">
+            <a:extLst>
+              <a:ext uri="{FF2B5EF4-FFF2-40B4-BE49-F238E27FC236}">
+                <a16:creationId xmlns:a16="http://schemas.microsoft.com/office/drawing/2014/main" id="{379CF5B7-DCD7-4A6F-89AD-DF423FFB159F}"/>
+              </a:ext>
+            </a:extLst>
+          </p:cNvPr>
+          <p:cNvSpPr txBox="1"/>
+          <p:nvPr/>
+        </p:nvSpPr>
+        <p:spPr>
+          <a:xfrm>
+            <a:off x="6185169" y="906999"/>
+            <a:ext cx="6558701" cy="5952912"/>
+          </a:xfrm>
+          <a:prstGeom prst="rect">
+            <a:avLst/>
+          </a:prstGeom>
+        </p:spPr>
+        <p:txBody>
+          <a:bodyPr vert="horz" wrap="square" lIns="0" tIns="134620" rIns="0" bIns="0" rtlCol="0">
+            <a:spAutoFit/>
+          </a:bodyPr>
+          <a:lstStyle/>
+          <a:p>
+            <a:r>
+              <a:rPr lang="en-US" altLang="ko-KR" dirty="0"/>
+              <a:t> def </a:t>
+            </a:r>
+            <a:r>
+              <a:rPr lang="en-US" altLang="ko-KR" dirty="0" err="1"/>
+              <a:t>on_send</a:t>
+            </a:r>
+            <a:r>
+              <a:rPr lang="en-US" altLang="ko-KR" dirty="0"/>
+              <a:t>(self):</a:t>
+            </a:r>
+          </a:p>
+          <a:p>
+            <a:endParaRPr lang="en-US" altLang="ko-KR" dirty="0"/>
+          </a:p>
+          <a:p>
+            <a:r>
+              <a:rPr lang="en-US" altLang="ko-KR" dirty="0"/>
+              <a:t>        data = </a:t>
+            </a:r>
+            <a:r>
+              <a:rPr lang="en-US" altLang="ko-KR" dirty="0" err="1"/>
+              <a:t>self.sdata.get</a:t>
+            </a:r>
+            <a:r>
+              <a:rPr lang="en-US" altLang="ko-KR" dirty="0"/>
+              <a:t>()</a:t>
+            </a:r>
+          </a:p>
+          <a:p>
+            <a:r>
+              <a:rPr lang="en-US" altLang="ko-KR" dirty="0"/>
+              <a:t>        </a:t>
+            </a:r>
+            <a:r>
+              <a:rPr lang="en-US" altLang="ko-KR" dirty="0" err="1"/>
+              <a:t>SerialThread.seq.write</a:t>
+            </a:r>
+            <a:r>
+              <a:rPr lang="en-US" altLang="ko-KR" dirty="0"/>
+              <a:t>(bytes(data, encoding='ascii'))</a:t>
+            </a:r>
+          </a:p>
+          <a:p>
+            <a:endParaRPr lang="en-US" altLang="ko-KR" dirty="0"/>
+          </a:p>
+          <a:p>
+            <a:r>
+              <a:rPr lang="en-US" altLang="ko-KR" dirty="0"/>
+              <a:t>    def </a:t>
+            </a:r>
+            <a:r>
+              <a:rPr lang="en-US" altLang="ko-KR" dirty="0" err="1"/>
+              <a:t>process_serial</a:t>
+            </a:r>
+            <a:r>
+              <a:rPr lang="en-US" altLang="ko-KR" dirty="0"/>
+              <a:t>(self):</a:t>
+            </a:r>
+          </a:p>
+          <a:p>
+            <a:endParaRPr lang="en-US" altLang="ko-KR" dirty="0"/>
+          </a:p>
+          <a:p>
+            <a:r>
+              <a:rPr lang="en-US" altLang="ko-KR" dirty="0"/>
+              <a:t>        while </a:t>
+            </a:r>
+            <a:r>
+              <a:rPr lang="en-US" altLang="ko-KR" dirty="0" err="1"/>
+              <a:t>self.queue.qsize</a:t>
+            </a:r>
+            <a:r>
+              <a:rPr lang="en-US" altLang="ko-KR" dirty="0"/>
+              <a:t>():</a:t>
+            </a:r>
+          </a:p>
+          <a:p>
+            <a:r>
+              <a:rPr lang="en-US" altLang="ko-KR" dirty="0"/>
+              <a:t>            try:</a:t>
+            </a:r>
+          </a:p>
+          <a:p>
+            <a:r>
+              <a:rPr lang="en-US" altLang="ko-KR" dirty="0"/>
+              <a:t>                </a:t>
+            </a:r>
+            <a:r>
+              <a:rPr lang="en-US" altLang="ko-KR" dirty="0" err="1"/>
+              <a:t>received_data</a:t>
+            </a:r>
+            <a:r>
+              <a:rPr lang="en-US" altLang="ko-KR" dirty="0"/>
+              <a:t> = </a:t>
+            </a:r>
+            <a:r>
+              <a:rPr lang="en-US" altLang="ko-KR" dirty="0" err="1"/>
+              <a:t>self.queue.get</a:t>
+            </a:r>
+            <a:r>
+              <a:rPr lang="en-US" altLang="ko-KR" dirty="0"/>
+              <a:t>()</a:t>
+            </a:r>
+          </a:p>
+          <a:p>
+            <a:r>
+              <a:rPr lang="en-US" altLang="ko-KR" dirty="0"/>
+              <a:t>                print("Data received" + str(</a:t>
+            </a:r>
+            <a:r>
+              <a:rPr lang="en-US" altLang="ko-KR" dirty="0" err="1"/>
+              <a:t>received_data</a:t>
+            </a:r>
+            <a:r>
+              <a:rPr lang="en-US" altLang="ko-KR" dirty="0"/>
+              <a:t>))</a:t>
+            </a:r>
+          </a:p>
+          <a:p>
+            <a:endParaRPr lang="en-US" altLang="ko-KR" dirty="0"/>
+          </a:p>
+          <a:p>
+            <a:r>
+              <a:rPr lang="en-US" altLang="ko-KR" dirty="0"/>
+              <a:t>                </a:t>
+            </a:r>
+            <a:r>
+              <a:rPr lang="en-US" altLang="ko-KR" dirty="0" err="1"/>
+              <a:t>self.rdata.config</a:t>
+            </a:r>
+            <a:r>
+              <a:rPr lang="en-US" altLang="ko-KR" dirty="0"/>
+              <a:t>(text=</a:t>
+            </a:r>
+            <a:r>
+              <a:rPr lang="en-US" altLang="ko-KR" dirty="0" err="1"/>
+              <a:t>received_data</a:t>
+            </a:r>
+            <a:r>
+              <a:rPr lang="en-US" altLang="ko-KR" dirty="0"/>
+              <a:t>)</a:t>
+            </a:r>
+          </a:p>
+          <a:p>
+            <a:r>
+              <a:rPr lang="en-US" altLang="ko-KR" dirty="0"/>
+              <a:t>            except </a:t>
+            </a:r>
+            <a:r>
+              <a:rPr lang="en-US" altLang="ko-KR" dirty="0" err="1"/>
+              <a:t>queue.Empty</a:t>
+            </a:r>
+            <a:r>
+              <a:rPr lang="en-US" altLang="ko-KR" dirty="0"/>
+              <a:t>:</a:t>
+            </a:r>
+          </a:p>
+          <a:p>
+            <a:r>
+              <a:rPr lang="en-US" altLang="ko-KR" dirty="0"/>
+              <a:t>                pass</a:t>
+            </a:r>
+          </a:p>
+          <a:p>
+            <a:r>
+              <a:rPr lang="en-US" altLang="ko-KR" dirty="0"/>
+              <a:t>        </a:t>
+            </a:r>
+            <a:r>
+              <a:rPr lang="en-US" altLang="ko-KR" dirty="0" err="1"/>
+              <a:t>self.after</a:t>
+            </a:r>
+            <a:r>
+              <a:rPr lang="en-US" altLang="ko-KR" dirty="0"/>
+              <a:t>(10, </a:t>
+            </a:r>
+            <a:r>
+              <a:rPr lang="en-US" altLang="ko-KR" dirty="0" err="1"/>
+              <a:t>self.process_serial</a:t>
+            </a:r>
+            <a:r>
+              <a:rPr lang="en-US" altLang="ko-KR" dirty="0"/>
+              <a:t>)</a:t>
+            </a:r>
+          </a:p>
+          <a:p>
+            <a:endParaRPr lang="en-US" altLang="ko-KR" dirty="0"/>
+          </a:p>
+          <a:p>
+            <a:r>
+              <a:rPr lang="en-US" altLang="ko-KR" dirty="0" err="1"/>
+              <a:t>app_main</a:t>
+            </a:r>
+            <a:r>
+              <a:rPr lang="en-US" altLang="ko-KR" dirty="0"/>
+              <a:t> = App()</a:t>
+            </a:r>
+          </a:p>
+          <a:p>
+            <a:r>
+              <a:rPr lang="en-US" altLang="ko-KR" dirty="0" err="1"/>
+              <a:t>app_main.mainloop</a:t>
+            </a:r>
+            <a:r>
+              <a:rPr lang="en-US" altLang="ko-KR" dirty="0"/>
+              <a:t>()</a:t>
+            </a:r>
+          </a:p>
+          <a:p>
+            <a:endParaRPr lang="en-US" altLang="ko-KR" dirty="0"/>
+          </a:p>
+          <a:p>
+            <a:r>
+              <a:rPr lang="en-US" altLang="ko-KR" dirty="0" err="1"/>
+              <a:t>SerialThread.is_run</a:t>
+            </a:r>
+            <a:r>
+              <a:rPr lang="en-US" altLang="ko-KR" dirty="0"/>
+              <a:t> = False</a:t>
+            </a:r>
+          </a:p>
+        </p:txBody>
+      </p:sp>
+    </p:spTree>
+    <p:extLst>
+      <p:ext uri="{BB962C8B-B14F-4D97-AF65-F5344CB8AC3E}">
+        <p14:creationId xmlns:p14="http://schemas.microsoft.com/office/powerpoint/2010/main" val="818298259"/>
+      </p:ext>
+    </p:extLst>
+  </p:cSld>
+  <p:clrMapOvr>
+    <a:masterClrMapping/>
+  </p:clrMapOvr>
+</p:sld>
+</file>
+
 <file path=ppt/slides/slide2.xml><?xml version="1.0" encoding="utf-8"?>
 <p:sld xmlns:a="http://schemas.openxmlformats.org/drawingml/2006/main" xmlns:r="http://schemas.openxmlformats.org/officeDocument/2006/relationships" xmlns:p="http://schemas.openxmlformats.org/presentationml/2006/main">
   <p:cSld>
@@ -5848,178 +7049,593 @@
           </a:p>
         </p:txBody>
       </p:sp>
-      <p:graphicFrame>
-        <p:nvGraphicFramePr>
-          <p:cNvPr id="23" name="표 22">
-            <a:extLst>
-              <a:ext uri="{FF2B5EF4-FFF2-40B4-BE49-F238E27FC236}">
-                <a16:creationId xmlns:a16="http://schemas.microsoft.com/office/drawing/2014/main" id="{B8391B2D-0403-4E7F-9901-DD3AEBE2FA0D}"/>
-              </a:ext>
-            </a:extLst>
-          </p:cNvPr>
-          <p:cNvGraphicFramePr>
-            <a:graphicFrameLocks noGrp="1"/>
-          </p:cNvGraphicFramePr>
+      <p:pic>
+        <p:nvPicPr>
+          <p:cNvPr id="4" name="그림 3"/>
+          <p:cNvPicPr>
+            <a:picLocks noChangeAspect="1"/>
+          </p:cNvPicPr>
+          <p:nvPr/>
+        </p:nvPicPr>
+        <p:blipFill>
+          <a:blip r:embed="rId3"/>
+          <a:stretch>
+            <a:fillRect/>
+          </a:stretch>
+        </p:blipFill>
+        <p:spPr>
+          <a:xfrm>
+            <a:off x="479246" y="1282461"/>
+            <a:ext cx="11525250" cy="4724400"/>
+          </a:xfrm>
+          <a:prstGeom prst="rect">
+            <a:avLst/>
+          </a:prstGeom>
+        </p:spPr>
+      </p:pic>
+    </p:spTree>
+    <p:extLst>
+      <p:ext uri="{BB962C8B-B14F-4D97-AF65-F5344CB8AC3E}">
+        <p14:creationId xmlns:p14="http://schemas.microsoft.com/office/powerpoint/2010/main" val="156323867"/>
+      </p:ext>
+    </p:extLst>
+  </p:cSld>
+  <p:clrMapOvr>
+    <a:masterClrMapping/>
+  </p:clrMapOvr>
+</p:sld>
+</file>
+
+<file path=ppt/slides/slide4.xml><?xml version="1.0" encoding="utf-8"?>
+<p:sld xmlns:a="http://schemas.openxmlformats.org/drawingml/2006/main" xmlns:r="http://schemas.openxmlformats.org/officeDocument/2006/relationships" xmlns:p="http://schemas.openxmlformats.org/presentationml/2006/main">
+  <p:cSld>
+    <p:spTree>
+      <p:nvGrpSpPr>
+        <p:cNvPr id="1" name=""/>
+        <p:cNvGrpSpPr/>
+        <p:nvPr/>
+      </p:nvGrpSpPr>
+      <p:grpSpPr>
+        <a:xfrm>
+          <a:off x="0" y="0"/>
+          <a:ext cx="0" cy="0"/>
+          <a:chOff x="0" y="0"/>
+          <a:chExt cx="0" cy="0"/>
+        </a:xfrm>
+      </p:grpSpPr>
+      <p:sp>
+        <p:nvSpPr>
+          <p:cNvPr id="20" name="object 2">
+            <a:extLst>
+              <a:ext uri="{FF2B5EF4-FFF2-40B4-BE49-F238E27FC236}">
+                <a16:creationId xmlns:a16="http://schemas.microsoft.com/office/drawing/2014/main" id="{ACE4083B-9AD4-407D-89DB-CF8434FE9399}"/>
+              </a:ext>
+            </a:extLst>
+          </p:cNvPr>
+          <p:cNvSpPr txBox="1">
+            <a:spLocks noGrp="1"/>
+          </p:cNvSpPr>
           <p:nvPr>
-            <p:extLst>
-              <p:ext uri="{D42A27DB-BD31-4B8C-83A1-F6EECF244321}">
-                <p14:modId xmlns:p14="http://schemas.microsoft.com/office/powerpoint/2010/main" val="2478593958"/>
-              </p:ext>
-            </p:extLst>
+            <p:ph type="title"/>
           </p:nvPr>
-        </p:nvGraphicFramePr>
-        <p:xfrm>
-          <a:off x="1558895" y="1163950"/>
-          <a:ext cx="8291687" cy="4763016"/>
-        </p:xfrm>
-        <a:graphic>
-          <a:graphicData uri="http://schemas.openxmlformats.org/drawingml/2006/table">
-            <a:tbl>
-              <a:tblPr firstRow="1" bandRow="1">
-                <a:tableStyleId>{2D5ABB26-0587-4C30-8999-92F81FD0307C}</a:tableStyleId>
-              </a:tblPr>
-              <a:tblGrid>
-                <a:gridCol w="8291687">
-                  <a:extLst>
-                    <a:ext uri="{9D8B030D-6E8A-4147-A177-3AD203B41FA5}">
-                      <a16:colId xmlns:a16="http://schemas.microsoft.com/office/drawing/2014/main" val="3456788239"/>
-                    </a:ext>
-                  </a:extLst>
-                </a:gridCol>
-              </a:tblGrid>
-              <a:tr h="808643">
-                <a:tc>
-                  <a:txBody>
-                    <a:bodyPr/>
-                    <a:lstStyle/>
-                    <a:p>
-                      <a:pPr marL="67945">
-                        <a:lnSpc>
-                          <a:spcPct val="100000"/>
-                        </a:lnSpc>
-                        <a:spcBef>
-                          <a:spcPts val="775"/>
-                        </a:spcBef>
-                      </a:pPr>
-                      <a:r>
-                        <a:rPr sz="1200" b="1" spc="-70" dirty="0">
-                          <a:solidFill>
-                            <a:srgbClr val="FFFFFF"/>
-                          </a:solidFill>
-                          <a:latin typeface="Arial"/>
-                          <a:cs typeface="Arial"/>
-                        </a:rPr>
-                        <a:t>ː ː </a:t>
-                      </a:r>
-                      <a:r>
-                        <a:rPr sz="1200" dirty="0" err="1">
-                          <a:solidFill>
-                            <a:srgbClr val="FFFFFF"/>
-                          </a:solidFill>
-                          <a:latin typeface="Arial Unicode MS"/>
-                          <a:cs typeface="Arial Unicode MS"/>
-                        </a:rPr>
-                        <a:t>실행</a:t>
-                      </a:r>
-                      <a:r>
-                        <a:rPr sz="1200" spc="-35" dirty="0">
-                          <a:solidFill>
-                            <a:srgbClr val="FFFFFF"/>
-                          </a:solidFill>
-                          <a:latin typeface="Arial Unicode MS"/>
-                          <a:cs typeface="Arial Unicode MS"/>
-                        </a:rPr>
-                        <a:t> </a:t>
-                      </a:r>
-                      <a:r>
-                        <a:rPr sz="1200" dirty="0" err="1">
-                          <a:solidFill>
-                            <a:srgbClr val="FFFFFF"/>
-                          </a:solidFill>
-                          <a:latin typeface="Arial Unicode MS"/>
-                          <a:cs typeface="Arial Unicode MS"/>
-                        </a:rPr>
-                        <a:t>결과</a:t>
-                      </a:r>
-                      <a:endParaRPr sz="1200" dirty="0">
-                        <a:latin typeface="Arial Unicode MS"/>
-                        <a:cs typeface="Arial Unicode MS"/>
-                      </a:endParaRPr>
-                    </a:p>
-                  </a:txBody>
-                  <a:tcPr marL="0" marR="0" marT="98425" marB="0">
-                    <a:lnL w="12700">
-                      <a:solidFill>
-                        <a:srgbClr val="FFFFFF"/>
-                      </a:solidFill>
-                      <a:prstDash val="solid"/>
-                    </a:lnL>
-                    <a:lnR w="12700">
-                      <a:solidFill>
-                        <a:srgbClr val="FFFFFF"/>
-                      </a:solidFill>
-                      <a:prstDash val="solid"/>
-                    </a:lnR>
-                    <a:lnT w="12700">
-                      <a:solidFill>
-                        <a:srgbClr val="FFFFFF"/>
-                      </a:solidFill>
-                      <a:prstDash val="solid"/>
-                    </a:lnT>
-                    <a:solidFill>
-                      <a:srgbClr val="318B99"/>
-                    </a:solidFill>
-                  </a:tcPr>
-                </a:tc>
-                <a:extLst>
-                  <a:ext uri="{0D108BD9-81ED-4DB2-BD59-A6C34878D82A}">
-                    <a16:rowId xmlns:a16="http://schemas.microsoft.com/office/drawing/2014/main" val="1115542485"/>
-                  </a:ext>
-                </a:extLst>
-              </a:tr>
-              <a:tr h="3954373">
-                <a:tc>
-                  <a:txBody>
-                    <a:bodyPr/>
-                    <a:lstStyle/>
-                    <a:p>
-                      <a:pPr marL="144145" marR="1678305" indent="-635">
-                        <a:lnSpc>
-                          <a:spcPct val="100000"/>
-                        </a:lnSpc>
-                        <a:spcBef>
-                          <a:spcPts val="470"/>
-                        </a:spcBef>
-                      </a:pPr>
-                      <a:r>
-                        <a:rPr lang="en-US" sz="1800">
-                          <a:latin typeface="Arial Unicode MS"/>
-                          <a:cs typeface="Arial Unicode MS"/>
-                        </a:rPr>
-                        <a:t>http://com0com.sourceforge.net/</a:t>
-                      </a:r>
-                      <a:endParaRPr sz="1800" dirty="0">
-                        <a:latin typeface="Arial Unicode MS"/>
-                        <a:cs typeface="Arial Unicode MS"/>
-                      </a:endParaRPr>
-                    </a:p>
-                  </a:txBody>
-                  <a:tcPr marL="0" marR="0" marT="59690" marB="0">
-                    <a:solidFill>
-                      <a:srgbClr val="FFFFFF"/>
-                    </a:solidFill>
-                  </a:tcPr>
-                </a:tc>
-                <a:extLst>
-                  <a:ext uri="{0D108BD9-81ED-4DB2-BD59-A6C34878D82A}">
-                    <a16:rowId xmlns:a16="http://schemas.microsoft.com/office/drawing/2014/main" val="229450878"/>
-                  </a:ext>
-                </a:extLst>
-              </a:tr>
-            </a:tbl>
-          </a:graphicData>
-        </a:graphic>
-      </p:graphicFrame>
+        </p:nvSpPr>
+        <p:spPr>
+          <a:xfrm>
+            <a:off x="727787" y="57135"/>
+            <a:ext cx="9196979" cy="751488"/>
+          </a:xfrm>
+          <a:prstGeom prst="rect">
+            <a:avLst/>
+          </a:prstGeom>
+        </p:spPr>
+        <p:txBody>
+          <a:bodyPr vert="horz" wrap="square" lIns="0" tIns="12700" rIns="0" bIns="0" rtlCol="0">
+            <a:spAutoFit/>
+          </a:bodyPr>
+          <a:lstStyle/>
+          <a:p>
+            <a:pPr marL="12700">
+              <a:lnSpc>
+                <a:spcPct val="100000"/>
+              </a:lnSpc>
+              <a:spcBef>
+                <a:spcPts val="100"/>
+              </a:spcBef>
+            </a:pPr>
+            <a:r>
+              <a:rPr lang="ko-KR" altLang="en-US" spc="-50" dirty="0"/>
+              <a:t>파이썬 </a:t>
+            </a:r>
+            <a:r>
+              <a:rPr lang="en-US" altLang="ko-KR" spc="-50" dirty="0"/>
+              <a:t>Serial </a:t>
+            </a:r>
+            <a:r>
+              <a:rPr lang="ko-KR" altLang="en-US" spc="-50" dirty="0"/>
+              <a:t>통신 실습</a:t>
+            </a:r>
+          </a:p>
+        </p:txBody>
+      </p:sp>
+      <p:sp>
+        <p:nvSpPr>
+          <p:cNvPr id="21" name="object 3">
+            <a:extLst>
+              <a:ext uri="{FF2B5EF4-FFF2-40B4-BE49-F238E27FC236}">
+                <a16:creationId xmlns:a16="http://schemas.microsoft.com/office/drawing/2014/main" id="{6928F275-549B-46F1-842C-AB0E52AB3B7E}"/>
+              </a:ext>
+            </a:extLst>
+          </p:cNvPr>
+          <p:cNvSpPr/>
+          <p:nvPr/>
+        </p:nvSpPr>
+        <p:spPr>
+          <a:xfrm>
+            <a:off x="549275" y="826429"/>
+            <a:ext cx="11642725" cy="0"/>
+          </a:xfrm>
+          <a:custGeom>
+            <a:avLst/>
+            <a:gdLst/>
+            <a:ahLst/>
+            <a:cxnLst/>
+            <a:rect l="l" t="t" r="r" b="b"/>
+            <a:pathLst>
+              <a:path w="11642725">
+                <a:moveTo>
+                  <a:pt x="0" y="0"/>
+                </a:moveTo>
+                <a:lnTo>
+                  <a:pt x="11642458" y="0"/>
+                </a:lnTo>
+              </a:path>
+            </a:pathLst>
+          </a:custGeom>
+          <a:ln w="6096">
+            <a:solidFill>
+              <a:srgbClr val="FFC000"/>
+            </a:solidFill>
+          </a:ln>
+        </p:spPr>
+        <p:txBody>
+          <a:bodyPr wrap="square" lIns="0" tIns="0" rIns="0" bIns="0" rtlCol="0"/>
+          <a:lstStyle/>
+          <a:p>
+            <a:pPr marL="0" marR="0" lvl="0" indent="0" algn="l" defTabSz="914400" rtl="0" eaLnBrk="1" fontAlgn="auto" latinLnBrk="1" hangingPunct="1">
+              <a:lnSpc>
+                <a:spcPct val="100000"/>
+              </a:lnSpc>
+              <a:spcBef>
+                <a:spcPts val="0"/>
+              </a:spcBef>
+              <a:spcAft>
+                <a:spcPts val="0"/>
+              </a:spcAft>
+              <a:buClrTx/>
+              <a:buSzTx/>
+              <a:buFontTx/>
+              <a:buNone/>
+              <a:tabLst/>
+              <a:defRPr/>
+            </a:pPr>
+            <a:endParaRPr kumimoji="0" sz="1800" b="0" i="0" u="none" strike="noStrike" kern="1200" cap="none" spc="0" normalizeH="0" baseline="0" noProof="0">
+              <a:ln>
+                <a:noFill/>
+              </a:ln>
+              <a:solidFill>
+                <a:prstClr val="black"/>
+              </a:solidFill>
+              <a:effectLst/>
+              <a:uLnTx/>
+              <a:uFillTx/>
+              <a:latin typeface="Calibri"/>
+              <a:ea typeface="+mn-ea"/>
+              <a:cs typeface="+mn-cs"/>
+            </a:endParaRPr>
+          </a:p>
+        </p:txBody>
+      </p:sp>
+      <p:sp>
+        <p:nvSpPr>
+          <p:cNvPr id="22" name="object 4">
+            <a:extLst>
+              <a:ext uri="{FF2B5EF4-FFF2-40B4-BE49-F238E27FC236}">
+                <a16:creationId xmlns:a16="http://schemas.microsoft.com/office/drawing/2014/main" id="{CBE81C76-33F8-423B-B2E7-58643A74939C}"/>
+              </a:ext>
+            </a:extLst>
+          </p:cNvPr>
+          <p:cNvSpPr/>
+          <p:nvPr/>
+        </p:nvSpPr>
+        <p:spPr>
+          <a:xfrm>
+            <a:off x="479246" y="781471"/>
+            <a:ext cx="89915" cy="89916"/>
+          </a:xfrm>
+          <a:prstGeom prst="rect">
+            <a:avLst/>
+          </a:prstGeom>
+          <a:blipFill>
+            <a:blip r:embed="rId2" cstate="print"/>
+            <a:stretch>
+              <a:fillRect/>
+            </a:stretch>
+          </a:blipFill>
+        </p:spPr>
+        <p:txBody>
+          <a:bodyPr wrap="square" lIns="0" tIns="0" rIns="0" bIns="0" rtlCol="0"/>
+          <a:lstStyle/>
+          <a:p>
+            <a:pPr marL="0" marR="0" lvl="0" indent="0" algn="l" defTabSz="914400" rtl="0" eaLnBrk="1" fontAlgn="auto" latinLnBrk="1" hangingPunct="1">
+              <a:lnSpc>
+                <a:spcPct val="100000"/>
+              </a:lnSpc>
+              <a:spcBef>
+                <a:spcPts val="0"/>
+              </a:spcBef>
+              <a:spcAft>
+                <a:spcPts val="0"/>
+              </a:spcAft>
+              <a:buClrTx/>
+              <a:buSzTx/>
+              <a:buFontTx/>
+              <a:buNone/>
+              <a:tabLst/>
+              <a:defRPr/>
+            </a:pPr>
+            <a:endParaRPr kumimoji="0" sz="1800" b="0" i="0" u="none" strike="noStrike" kern="1200" cap="none" spc="0" normalizeH="0" baseline="0" noProof="0">
+              <a:ln>
+                <a:noFill/>
+              </a:ln>
+              <a:solidFill>
+                <a:prstClr val="black"/>
+              </a:solidFill>
+              <a:effectLst/>
+              <a:uLnTx/>
+              <a:uFillTx/>
+              <a:latin typeface="Calibri"/>
+              <a:ea typeface="+mn-ea"/>
+              <a:cs typeface="+mn-cs"/>
+            </a:endParaRPr>
+          </a:p>
+        </p:txBody>
+      </p:sp>
+      <p:pic>
+        <p:nvPicPr>
+          <p:cNvPr id="2" name="그림 1"/>
+          <p:cNvPicPr>
+            <a:picLocks noChangeAspect="1"/>
+          </p:cNvPicPr>
+          <p:nvPr/>
+        </p:nvPicPr>
+        <p:blipFill>
+          <a:blip r:embed="rId3"/>
+          <a:stretch>
+            <a:fillRect/>
+          </a:stretch>
+        </p:blipFill>
+        <p:spPr>
+          <a:xfrm>
+            <a:off x="1266094" y="1835178"/>
+            <a:ext cx="9144798" cy="4370463"/>
+          </a:xfrm>
+          <a:prstGeom prst="rect">
+            <a:avLst/>
+          </a:prstGeom>
+        </p:spPr>
+      </p:pic>
+      <p:sp>
+        <p:nvSpPr>
+          <p:cNvPr id="7" name="object 2">
+            <a:extLst>
+              <a:ext uri="{FF2B5EF4-FFF2-40B4-BE49-F238E27FC236}">
+                <a16:creationId xmlns:a16="http://schemas.microsoft.com/office/drawing/2014/main" id="{ACE4083B-9AD4-407D-89DB-CF8434FE9399}"/>
+              </a:ext>
+            </a:extLst>
+          </p:cNvPr>
+          <p:cNvSpPr txBox="1">
+            <a:spLocks/>
+          </p:cNvSpPr>
+          <p:nvPr/>
+        </p:nvSpPr>
+        <p:spPr>
+          <a:xfrm>
+            <a:off x="479246" y="955060"/>
+            <a:ext cx="9196979" cy="505267"/>
+          </a:xfrm>
+          <a:prstGeom prst="rect">
+            <a:avLst/>
+          </a:prstGeom>
+        </p:spPr>
+        <p:txBody>
+          <a:bodyPr vert="horz" wrap="square" lIns="0" tIns="12700" rIns="0" bIns="0" rtlCol="0">
+            <a:spAutoFit/>
+          </a:bodyPr>
+          <a:lstStyle>
+            <a:lvl1pPr>
+              <a:defRPr sz="4800" b="0" i="0">
+                <a:solidFill>
+                  <a:schemeClr val="bg1"/>
+                </a:solidFill>
+                <a:latin typeface="Arial Unicode MS"/>
+                <a:ea typeface="+mj-ea"/>
+                <a:cs typeface="Arial Unicode MS"/>
+              </a:defRPr>
+            </a:lvl1pPr>
+          </a:lstStyle>
+          <a:p>
+            <a:pPr marL="12700" latinLnBrk="0">
+              <a:spcBef>
+                <a:spcPts val="100"/>
+              </a:spcBef>
+            </a:pPr>
+            <a:r>
+              <a:rPr lang="en-US" altLang="ko-KR" sz="3200" kern="0" spc="-50" dirty="0">
+                <a:solidFill>
+                  <a:schemeClr val="accent6"/>
+                </a:solidFill>
+              </a:rPr>
+              <a:t>http://com0com.sourceforge.net/</a:t>
+            </a:r>
+            <a:endParaRPr lang="en-US" altLang="ko-KR" sz="3200" kern="0" spc="-50" dirty="0" smtClean="0">
+              <a:solidFill>
+                <a:schemeClr val="accent6"/>
+              </a:solidFill>
+            </a:endParaRPr>
+          </a:p>
+        </p:txBody>
+      </p:sp>
+    </p:spTree>
+    <p:extLst>
+      <p:ext uri="{BB962C8B-B14F-4D97-AF65-F5344CB8AC3E}">
+        <p14:creationId xmlns:p14="http://schemas.microsoft.com/office/powerpoint/2010/main" val="2510322830"/>
+      </p:ext>
+    </p:extLst>
+  </p:cSld>
+  <p:clrMapOvr>
+    <a:masterClrMapping/>
+  </p:clrMapOvr>
+</p:sld>
+</file>
+
+<file path=ppt/slides/slide5.xml><?xml version="1.0" encoding="utf-8"?>
+<p:sld xmlns:a="http://schemas.openxmlformats.org/drawingml/2006/main" xmlns:r="http://schemas.openxmlformats.org/officeDocument/2006/relationships" xmlns:p="http://schemas.openxmlformats.org/presentationml/2006/main">
+  <p:cSld>
+    <p:spTree>
+      <p:nvGrpSpPr>
+        <p:cNvPr id="1" name=""/>
+        <p:cNvGrpSpPr/>
+        <p:nvPr/>
+      </p:nvGrpSpPr>
+      <p:grpSpPr>
+        <a:xfrm>
+          <a:off x="0" y="0"/>
+          <a:ext cx="0" cy="0"/>
+          <a:chOff x="0" y="0"/>
+          <a:chExt cx="0" cy="0"/>
+        </a:xfrm>
+      </p:grpSpPr>
+      <p:sp>
+        <p:nvSpPr>
+          <p:cNvPr id="20" name="object 2">
+            <a:extLst>
+              <a:ext uri="{FF2B5EF4-FFF2-40B4-BE49-F238E27FC236}">
+                <a16:creationId xmlns:a16="http://schemas.microsoft.com/office/drawing/2014/main" id="{ACE4083B-9AD4-407D-89DB-CF8434FE9399}"/>
+              </a:ext>
+            </a:extLst>
+          </p:cNvPr>
+          <p:cNvSpPr txBox="1">
+            <a:spLocks noGrp="1"/>
+          </p:cNvSpPr>
+          <p:nvPr>
+            <p:ph type="title"/>
+          </p:nvPr>
+        </p:nvSpPr>
+        <p:spPr>
+          <a:xfrm>
+            <a:off x="727787" y="57135"/>
+            <a:ext cx="9196979" cy="751488"/>
+          </a:xfrm>
+          <a:prstGeom prst="rect">
+            <a:avLst/>
+          </a:prstGeom>
+        </p:spPr>
+        <p:txBody>
+          <a:bodyPr vert="horz" wrap="square" lIns="0" tIns="12700" rIns="0" bIns="0" rtlCol="0">
+            <a:spAutoFit/>
+          </a:bodyPr>
+          <a:lstStyle/>
+          <a:p>
+            <a:pPr marL="12700">
+              <a:lnSpc>
+                <a:spcPct val="100000"/>
+              </a:lnSpc>
+              <a:spcBef>
+                <a:spcPts val="100"/>
+              </a:spcBef>
+            </a:pPr>
+            <a:r>
+              <a:rPr lang="ko-KR" altLang="en-US" spc="-50" dirty="0"/>
+              <a:t>파이썬 </a:t>
+            </a:r>
+            <a:r>
+              <a:rPr lang="en-US" altLang="ko-KR" spc="-50" dirty="0"/>
+              <a:t>Serial </a:t>
+            </a:r>
+            <a:r>
+              <a:rPr lang="ko-KR" altLang="en-US" spc="-50" dirty="0"/>
+              <a:t>통신 실습</a:t>
+            </a:r>
+          </a:p>
+        </p:txBody>
+      </p:sp>
+      <p:sp>
+        <p:nvSpPr>
+          <p:cNvPr id="21" name="object 3">
+            <a:extLst>
+              <a:ext uri="{FF2B5EF4-FFF2-40B4-BE49-F238E27FC236}">
+                <a16:creationId xmlns:a16="http://schemas.microsoft.com/office/drawing/2014/main" id="{6928F275-549B-46F1-842C-AB0E52AB3B7E}"/>
+              </a:ext>
+            </a:extLst>
+          </p:cNvPr>
+          <p:cNvSpPr/>
+          <p:nvPr/>
+        </p:nvSpPr>
+        <p:spPr>
+          <a:xfrm>
+            <a:off x="549275" y="826429"/>
+            <a:ext cx="11642725" cy="0"/>
+          </a:xfrm>
+          <a:custGeom>
+            <a:avLst/>
+            <a:gdLst/>
+            <a:ahLst/>
+            <a:cxnLst/>
+            <a:rect l="l" t="t" r="r" b="b"/>
+            <a:pathLst>
+              <a:path w="11642725">
+                <a:moveTo>
+                  <a:pt x="0" y="0"/>
+                </a:moveTo>
+                <a:lnTo>
+                  <a:pt x="11642458" y="0"/>
+                </a:lnTo>
+              </a:path>
+            </a:pathLst>
+          </a:custGeom>
+          <a:ln w="6096">
+            <a:solidFill>
+              <a:srgbClr val="FFC000"/>
+            </a:solidFill>
+          </a:ln>
+        </p:spPr>
+        <p:txBody>
+          <a:bodyPr wrap="square" lIns="0" tIns="0" rIns="0" bIns="0" rtlCol="0"/>
+          <a:lstStyle/>
+          <a:p>
+            <a:pPr marL="0" marR="0" lvl="0" indent="0" algn="l" defTabSz="914400" rtl="0" eaLnBrk="1" fontAlgn="auto" latinLnBrk="1" hangingPunct="1">
+              <a:lnSpc>
+                <a:spcPct val="100000"/>
+              </a:lnSpc>
+              <a:spcBef>
+                <a:spcPts val="0"/>
+              </a:spcBef>
+              <a:spcAft>
+                <a:spcPts val="0"/>
+              </a:spcAft>
+              <a:buClrTx/>
+              <a:buSzTx/>
+              <a:buFontTx/>
+              <a:buNone/>
+              <a:tabLst/>
+              <a:defRPr/>
+            </a:pPr>
+            <a:endParaRPr kumimoji="0" sz="1800" b="0" i="0" u="none" strike="noStrike" kern="1200" cap="none" spc="0" normalizeH="0" baseline="0" noProof="0">
+              <a:ln>
+                <a:noFill/>
+              </a:ln>
+              <a:solidFill>
+                <a:prstClr val="black"/>
+              </a:solidFill>
+              <a:effectLst/>
+              <a:uLnTx/>
+              <a:uFillTx/>
+              <a:latin typeface="Calibri"/>
+              <a:ea typeface="+mn-ea"/>
+              <a:cs typeface="+mn-cs"/>
+            </a:endParaRPr>
+          </a:p>
+        </p:txBody>
+      </p:sp>
+      <p:sp>
+        <p:nvSpPr>
+          <p:cNvPr id="22" name="object 4">
+            <a:extLst>
+              <a:ext uri="{FF2B5EF4-FFF2-40B4-BE49-F238E27FC236}">
+                <a16:creationId xmlns:a16="http://schemas.microsoft.com/office/drawing/2014/main" id="{CBE81C76-33F8-423B-B2E7-58643A74939C}"/>
+              </a:ext>
+            </a:extLst>
+          </p:cNvPr>
+          <p:cNvSpPr/>
+          <p:nvPr/>
+        </p:nvSpPr>
+        <p:spPr>
+          <a:xfrm>
+            <a:off x="479246" y="781471"/>
+            <a:ext cx="89915" cy="89916"/>
+          </a:xfrm>
+          <a:prstGeom prst="rect">
+            <a:avLst/>
+          </a:prstGeom>
+          <a:blipFill>
+            <a:blip r:embed="rId2" cstate="print"/>
+            <a:stretch>
+              <a:fillRect/>
+            </a:stretch>
+          </a:blipFill>
+        </p:spPr>
+        <p:txBody>
+          <a:bodyPr wrap="square" lIns="0" tIns="0" rIns="0" bIns="0" rtlCol="0"/>
+          <a:lstStyle/>
+          <a:p>
+            <a:pPr marL="0" marR="0" lvl="0" indent="0" algn="l" defTabSz="914400" rtl="0" eaLnBrk="1" fontAlgn="auto" latinLnBrk="1" hangingPunct="1">
+              <a:lnSpc>
+                <a:spcPct val="100000"/>
+              </a:lnSpc>
+              <a:spcBef>
+                <a:spcPts val="0"/>
+              </a:spcBef>
+              <a:spcAft>
+                <a:spcPts val="0"/>
+              </a:spcAft>
+              <a:buClrTx/>
+              <a:buSzTx/>
+              <a:buFontTx/>
+              <a:buNone/>
+              <a:tabLst/>
+              <a:defRPr/>
+            </a:pPr>
+            <a:endParaRPr kumimoji="0" sz="1800" b="0" i="0" u="none" strike="noStrike" kern="1200" cap="none" spc="0" normalizeH="0" baseline="0" noProof="0">
+              <a:ln>
+                <a:noFill/>
+              </a:ln>
+              <a:solidFill>
+                <a:prstClr val="black"/>
+              </a:solidFill>
+              <a:effectLst/>
+              <a:uLnTx/>
+              <a:uFillTx/>
+              <a:latin typeface="Calibri"/>
+              <a:ea typeface="+mn-ea"/>
+              <a:cs typeface="+mn-cs"/>
+            </a:endParaRPr>
+          </a:p>
+        </p:txBody>
+      </p:sp>
+      <p:pic>
+        <p:nvPicPr>
+          <p:cNvPr id="3" name="그림 2"/>
+          <p:cNvPicPr>
+            <a:picLocks noChangeAspect="1"/>
+          </p:cNvPicPr>
+          <p:nvPr/>
+        </p:nvPicPr>
+        <p:blipFill>
+          <a:blip r:embed="rId3"/>
+          <a:stretch>
+            <a:fillRect/>
+          </a:stretch>
+        </p:blipFill>
+        <p:spPr>
+          <a:xfrm>
+            <a:off x="2551531" y="1101844"/>
+            <a:ext cx="7019925" cy="4895850"/>
+          </a:xfrm>
+          <a:prstGeom prst="rect">
+            <a:avLst/>
+          </a:prstGeom>
+        </p:spPr>
+      </p:pic>
     </p:spTree>
     <p:extLst>
       <p:ext uri="{BB962C8B-B14F-4D97-AF65-F5344CB8AC3E}">
@@ -6033,7 +7649,808 @@
 </p:sld>
 </file>
 
-<file path=ppt/slides/slide4.xml><?xml version="1.0" encoding="utf-8"?>
+<file path=ppt/slides/slide6.xml><?xml version="1.0" encoding="utf-8"?>
+<p:sld xmlns:a="http://schemas.openxmlformats.org/drawingml/2006/main" xmlns:r="http://schemas.openxmlformats.org/officeDocument/2006/relationships" xmlns:p="http://schemas.openxmlformats.org/presentationml/2006/main">
+  <p:cSld>
+    <p:spTree>
+      <p:nvGrpSpPr>
+        <p:cNvPr id="1" name=""/>
+        <p:cNvGrpSpPr/>
+        <p:nvPr/>
+      </p:nvGrpSpPr>
+      <p:grpSpPr>
+        <a:xfrm>
+          <a:off x="0" y="0"/>
+          <a:ext cx="0" cy="0"/>
+          <a:chOff x="0" y="0"/>
+          <a:chExt cx="0" cy="0"/>
+        </a:xfrm>
+      </p:grpSpPr>
+      <p:sp>
+        <p:nvSpPr>
+          <p:cNvPr id="20" name="object 2">
+            <a:extLst>
+              <a:ext uri="{FF2B5EF4-FFF2-40B4-BE49-F238E27FC236}">
+                <a16:creationId xmlns:a16="http://schemas.microsoft.com/office/drawing/2014/main" id="{ACE4083B-9AD4-407D-89DB-CF8434FE9399}"/>
+              </a:ext>
+            </a:extLst>
+          </p:cNvPr>
+          <p:cNvSpPr txBox="1">
+            <a:spLocks noGrp="1"/>
+          </p:cNvSpPr>
+          <p:nvPr>
+            <p:ph type="title"/>
+          </p:nvPr>
+        </p:nvSpPr>
+        <p:spPr>
+          <a:xfrm>
+            <a:off x="727787" y="57135"/>
+            <a:ext cx="9196979" cy="751488"/>
+          </a:xfrm>
+          <a:prstGeom prst="rect">
+            <a:avLst/>
+          </a:prstGeom>
+        </p:spPr>
+        <p:txBody>
+          <a:bodyPr vert="horz" wrap="square" lIns="0" tIns="12700" rIns="0" bIns="0" rtlCol="0">
+            <a:spAutoFit/>
+          </a:bodyPr>
+          <a:lstStyle/>
+          <a:p>
+            <a:pPr marL="12700">
+              <a:lnSpc>
+                <a:spcPct val="100000"/>
+              </a:lnSpc>
+              <a:spcBef>
+                <a:spcPts val="100"/>
+              </a:spcBef>
+            </a:pPr>
+            <a:r>
+              <a:rPr lang="ko-KR" altLang="en-US" spc="-50" dirty="0"/>
+              <a:t>파이썬 </a:t>
+            </a:r>
+            <a:r>
+              <a:rPr lang="en-US" altLang="ko-KR" spc="-50" dirty="0"/>
+              <a:t>Serial </a:t>
+            </a:r>
+            <a:r>
+              <a:rPr lang="ko-KR" altLang="en-US" spc="-50" dirty="0"/>
+              <a:t>통신 실습</a:t>
+            </a:r>
+          </a:p>
+        </p:txBody>
+      </p:sp>
+      <p:sp>
+        <p:nvSpPr>
+          <p:cNvPr id="21" name="object 3">
+            <a:extLst>
+              <a:ext uri="{FF2B5EF4-FFF2-40B4-BE49-F238E27FC236}">
+                <a16:creationId xmlns:a16="http://schemas.microsoft.com/office/drawing/2014/main" id="{6928F275-549B-46F1-842C-AB0E52AB3B7E}"/>
+              </a:ext>
+            </a:extLst>
+          </p:cNvPr>
+          <p:cNvSpPr/>
+          <p:nvPr/>
+        </p:nvSpPr>
+        <p:spPr>
+          <a:xfrm>
+            <a:off x="549275" y="826429"/>
+            <a:ext cx="11642725" cy="0"/>
+          </a:xfrm>
+          <a:custGeom>
+            <a:avLst/>
+            <a:gdLst/>
+            <a:ahLst/>
+            <a:cxnLst/>
+            <a:rect l="l" t="t" r="r" b="b"/>
+            <a:pathLst>
+              <a:path w="11642725">
+                <a:moveTo>
+                  <a:pt x="0" y="0"/>
+                </a:moveTo>
+                <a:lnTo>
+                  <a:pt x="11642458" y="0"/>
+                </a:lnTo>
+              </a:path>
+            </a:pathLst>
+          </a:custGeom>
+          <a:ln w="6096">
+            <a:solidFill>
+              <a:srgbClr val="FFC000"/>
+            </a:solidFill>
+          </a:ln>
+        </p:spPr>
+        <p:txBody>
+          <a:bodyPr wrap="square" lIns="0" tIns="0" rIns="0" bIns="0" rtlCol="0"/>
+          <a:lstStyle/>
+          <a:p>
+            <a:pPr marL="0" marR="0" lvl="0" indent="0" algn="l" defTabSz="914400" rtl="0" eaLnBrk="1" fontAlgn="auto" latinLnBrk="1" hangingPunct="1">
+              <a:lnSpc>
+                <a:spcPct val="100000"/>
+              </a:lnSpc>
+              <a:spcBef>
+                <a:spcPts val="0"/>
+              </a:spcBef>
+              <a:spcAft>
+                <a:spcPts val="0"/>
+              </a:spcAft>
+              <a:buClrTx/>
+              <a:buSzTx/>
+              <a:buFontTx/>
+              <a:buNone/>
+              <a:tabLst/>
+              <a:defRPr/>
+            </a:pPr>
+            <a:endParaRPr kumimoji="0" sz="1800" b="0" i="0" u="none" strike="noStrike" kern="1200" cap="none" spc="0" normalizeH="0" baseline="0" noProof="0">
+              <a:ln>
+                <a:noFill/>
+              </a:ln>
+              <a:solidFill>
+                <a:prstClr val="black"/>
+              </a:solidFill>
+              <a:effectLst/>
+              <a:uLnTx/>
+              <a:uFillTx/>
+              <a:latin typeface="Calibri"/>
+              <a:ea typeface="+mn-ea"/>
+              <a:cs typeface="+mn-cs"/>
+            </a:endParaRPr>
+          </a:p>
+        </p:txBody>
+      </p:sp>
+      <p:sp>
+        <p:nvSpPr>
+          <p:cNvPr id="22" name="object 4">
+            <a:extLst>
+              <a:ext uri="{FF2B5EF4-FFF2-40B4-BE49-F238E27FC236}">
+                <a16:creationId xmlns:a16="http://schemas.microsoft.com/office/drawing/2014/main" id="{CBE81C76-33F8-423B-B2E7-58643A74939C}"/>
+              </a:ext>
+            </a:extLst>
+          </p:cNvPr>
+          <p:cNvSpPr/>
+          <p:nvPr/>
+        </p:nvSpPr>
+        <p:spPr>
+          <a:xfrm>
+            <a:off x="479246" y="781471"/>
+            <a:ext cx="89915" cy="89916"/>
+          </a:xfrm>
+          <a:prstGeom prst="rect">
+            <a:avLst/>
+          </a:prstGeom>
+          <a:blipFill>
+            <a:blip r:embed="rId2" cstate="print"/>
+            <a:stretch>
+              <a:fillRect/>
+            </a:stretch>
+          </a:blipFill>
+        </p:spPr>
+        <p:txBody>
+          <a:bodyPr wrap="square" lIns="0" tIns="0" rIns="0" bIns="0" rtlCol="0"/>
+          <a:lstStyle/>
+          <a:p>
+            <a:pPr marL="0" marR="0" lvl="0" indent="0" algn="l" defTabSz="914400" rtl="0" eaLnBrk="1" fontAlgn="auto" latinLnBrk="1" hangingPunct="1">
+              <a:lnSpc>
+                <a:spcPct val="100000"/>
+              </a:lnSpc>
+              <a:spcBef>
+                <a:spcPts val="0"/>
+              </a:spcBef>
+              <a:spcAft>
+                <a:spcPts val="0"/>
+              </a:spcAft>
+              <a:buClrTx/>
+              <a:buSzTx/>
+              <a:buFontTx/>
+              <a:buNone/>
+              <a:tabLst/>
+              <a:defRPr/>
+            </a:pPr>
+            <a:endParaRPr kumimoji="0" sz="1800" b="0" i="0" u="none" strike="noStrike" kern="1200" cap="none" spc="0" normalizeH="0" baseline="0" noProof="0">
+              <a:ln>
+                <a:noFill/>
+              </a:ln>
+              <a:solidFill>
+                <a:prstClr val="black"/>
+              </a:solidFill>
+              <a:effectLst/>
+              <a:uLnTx/>
+              <a:uFillTx/>
+              <a:latin typeface="Calibri"/>
+              <a:ea typeface="+mn-ea"/>
+              <a:cs typeface="+mn-cs"/>
+            </a:endParaRPr>
+          </a:p>
+        </p:txBody>
+      </p:sp>
+      <p:pic>
+        <p:nvPicPr>
+          <p:cNvPr id="2" name="그림 1"/>
+          <p:cNvPicPr>
+            <a:picLocks noChangeAspect="1"/>
+          </p:cNvPicPr>
+          <p:nvPr/>
+        </p:nvPicPr>
+        <p:blipFill>
+          <a:blip r:embed="rId3"/>
+          <a:stretch>
+            <a:fillRect/>
+          </a:stretch>
+        </p:blipFill>
+        <p:spPr>
+          <a:xfrm>
+            <a:off x="2470323" y="1152896"/>
+            <a:ext cx="7029450" cy="4914900"/>
+          </a:xfrm>
+          <a:prstGeom prst="rect">
+            <a:avLst/>
+          </a:prstGeom>
+        </p:spPr>
+      </p:pic>
+    </p:spTree>
+    <p:extLst>
+      <p:ext uri="{BB962C8B-B14F-4D97-AF65-F5344CB8AC3E}">
+        <p14:creationId xmlns:p14="http://schemas.microsoft.com/office/powerpoint/2010/main" val="3588433036"/>
+      </p:ext>
+    </p:extLst>
+  </p:cSld>
+  <p:clrMapOvr>
+    <a:masterClrMapping/>
+  </p:clrMapOvr>
+</p:sld>
+</file>
+
+<file path=ppt/slides/slide7.xml><?xml version="1.0" encoding="utf-8"?>
+<p:sld xmlns:a="http://schemas.openxmlformats.org/drawingml/2006/main" xmlns:r="http://schemas.openxmlformats.org/officeDocument/2006/relationships" xmlns:p="http://schemas.openxmlformats.org/presentationml/2006/main">
+  <p:cSld>
+    <p:spTree>
+      <p:nvGrpSpPr>
+        <p:cNvPr id="1" name=""/>
+        <p:cNvGrpSpPr/>
+        <p:nvPr/>
+      </p:nvGrpSpPr>
+      <p:grpSpPr>
+        <a:xfrm>
+          <a:off x="0" y="0"/>
+          <a:ext cx="0" cy="0"/>
+          <a:chOff x="0" y="0"/>
+          <a:chExt cx="0" cy="0"/>
+        </a:xfrm>
+      </p:grpSpPr>
+      <p:sp>
+        <p:nvSpPr>
+          <p:cNvPr id="20" name="object 2">
+            <a:extLst>
+              <a:ext uri="{FF2B5EF4-FFF2-40B4-BE49-F238E27FC236}">
+                <a16:creationId xmlns:a16="http://schemas.microsoft.com/office/drawing/2014/main" id="{ACE4083B-9AD4-407D-89DB-CF8434FE9399}"/>
+              </a:ext>
+            </a:extLst>
+          </p:cNvPr>
+          <p:cNvSpPr txBox="1">
+            <a:spLocks noGrp="1"/>
+          </p:cNvSpPr>
+          <p:nvPr>
+            <p:ph type="title"/>
+          </p:nvPr>
+        </p:nvSpPr>
+        <p:spPr>
+          <a:xfrm>
+            <a:off x="727787" y="57135"/>
+            <a:ext cx="9196979" cy="751488"/>
+          </a:xfrm>
+          <a:prstGeom prst="rect">
+            <a:avLst/>
+          </a:prstGeom>
+        </p:spPr>
+        <p:txBody>
+          <a:bodyPr vert="horz" wrap="square" lIns="0" tIns="12700" rIns="0" bIns="0" rtlCol="0">
+            <a:spAutoFit/>
+          </a:bodyPr>
+          <a:lstStyle/>
+          <a:p>
+            <a:pPr marL="12700">
+              <a:lnSpc>
+                <a:spcPct val="100000"/>
+              </a:lnSpc>
+              <a:spcBef>
+                <a:spcPts val="100"/>
+              </a:spcBef>
+            </a:pPr>
+            <a:r>
+              <a:rPr lang="ko-KR" altLang="en-US" spc="-50" dirty="0"/>
+              <a:t>파이썬 </a:t>
+            </a:r>
+            <a:r>
+              <a:rPr lang="en-US" altLang="ko-KR" spc="-50" dirty="0"/>
+              <a:t>Serial </a:t>
+            </a:r>
+            <a:r>
+              <a:rPr lang="ko-KR" altLang="en-US" spc="-50" dirty="0"/>
+              <a:t>통신 실습</a:t>
+            </a:r>
+          </a:p>
+        </p:txBody>
+      </p:sp>
+      <p:sp>
+        <p:nvSpPr>
+          <p:cNvPr id="21" name="object 3">
+            <a:extLst>
+              <a:ext uri="{FF2B5EF4-FFF2-40B4-BE49-F238E27FC236}">
+                <a16:creationId xmlns:a16="http://schemas.microsoft.com/office/drawing/2014/main" id="{6928F275-549B-46F1-842C-AB0E52AB3B7E}"/>
+              </a:ext>
+            </a:extLst>
+          </p:cNvPr>
+          <p:cNvSpPr/>
+          <p:nvPr/>
+        </p:nvSpPr>
+        <p:spPr>
+          <a:xfrm>
+            <a:off x="549275" y="826429"/>
+            <a:ext cx="11642725" cy="0"/>
+          </a:xfrm>
+          <a:custGeom>
+            <a:avLst/>
+            <a:gdLst/>
+            <a:ahLst/>
+            <a:cxnLst/>
+            <a:rect l="l" t="t" r="r" b="b"/>
+            <a:pathLst>
+              <a:path w="11642725">
+                <a:moveTo>
+                  <a:pt x="0" y="0"/>
+                </a:moveTo>
+                <a:lnTo>
+                  <a:pt x="11642458" y="0"/>
+                </a:lnTo>
+              </a:path>
+            </a:pathLst>
+          </a:custGeom>
+          <a:ln w="6096">
+            <a:solidFill>
+              <a:srgbClr val="FFC000"/>
+            </a:solidFill>
+          </a:ln>
+        </p:spPr>
+        <p:txBody>
+          <a:bodyPr wrap="square" lIns="0" tIns="0" rIns="0" bIns="0" rtlCol="0"/>
+          <a:lstStyle/>
+          <a:p>
+            <a:pPr marL="0" marR="0" lvl="0" indent="0" algn="l" defTabSz="914400" rtl="0" eaLnBrk="1" fontAlgn="auto" latinLnBrk="1" hangingPunct="1">
+              <a:lnSpc>
+                <a:spcPct val="100000"/>
+              </a:lnSpc>
+              <a:spcBef>
+                <a:spcPts val="0"/>
+              </a:spcBef>
+              <a:spcAft>
+                <a:spcPts val="0"/>
+              </a:spcAft>
+              <a:buClrTx/>
+              <a:buSzTx/>
+              <a:buFontTx/>
+              <a:buNone/>
+              <a:tabLst/>
+              <a:defRPr/>
+            </a:pPr>
+            <a:endParaRPr kumimoji="0" sz="1800" b="0" i="0" u="none" strike="noStrike" kern="1200" cap="none" spc="0" normalizeH="0" baseline="0" noProof="0">
+              <a:ln>
+                <a:noFill/>
+              </a:ln>
+              <a:solidFill>
+                <a:prstClr val="black"/>
+              </a:solidFill>
+              <a:effectLst/>
+              <a:uLnTx/>
+              <a:uFillTx/>
+              <a:latin typeface="Calibri"/>
+              <a:ea typeface="+mn-ea"/>
+              <a:cs typeface="+mn-cs"/>
+            </a:endParaRPr>
+          </a:p>
+        </p:txBody>
+      </p:sp>
+      <p:sp>
+        <p:nvSpPr>
+          <p:cNvPr id="22" name="object 4">
+            <a:extLst>
+              <a:ext uri="{FF2B5EF4-FFF2-40B4-BE49-F238E27FC236}">
+                <a16:creationId xmlns:a16="http://schemas.microsoft.com/office/drawing/2014/main" id="{CBE81C76-33F8-423B-B2E7-58643A74939C}"/>
+              </a:ext>
+            </a:extLst>
+          </p:cNvPr>
+          <p:cNvSpPr/>
+          <p:nvPr/>
+        </p:nvSpPr>
+        <p:spPr>
+          <a:xfrm>
+            <a:off x="479246" y="781471"/>
+            <a:ext cx="89915" cy="89916"/>
+          </a:xfrm>
+          <a:prstGeom prst="rect">
+            <a:avLst/>
+          </a:prstGeom>
+          <a:blipFill>
+            <a:blip r:embed="rId2" cstate="print"/>
+            <a:stretch>
+              <a:fillRect/>
+            </a:stretch>
+          </a:blipFill>
+        </p:spPr>
+        <p:txBody>
+          <a:bodyPr wrap="square" lIns="0" tIns="0" rIns="0" bIns="0" rtlCol="0"/>
+          <a:lstStyle/>
+          <a:p>
+            <a:pPr marL="0" marR="0" lvl="0" indent="0" algn="l" defTabSz="914400" rtl="0" eaLnBrk="1" fontAlgn="auto" latinLnBrk="1" hangingPunct="1">
+              <a:lnSpc>
+                <a:spcPct val="100000"/>
+              </a:lnSpc>
+              <a:spcBef>
+                <a:spcPts val="0"/>
+              </a:spcBef>
+              <a:spcAft>
+                <a:spcPts val="0"/>
+              </a:spcAft>
+              <a:buClrTx/>
+              <a:buSzTx/>
+              <a:buFontTx/>
+              <a:buNone/>
+              <a:tabLst/>
+              <a:defRPr/>
+            </a:pPr>
+            <a:endParaRPr kumimoji="0" sz="1800" b="0" i="0" u="none" strike="noStrike" kern="1200" cap="none" spc="0" normalizeH="0" baseline="0" noProof="0">
+              <a:ln>
+                <a:noFill/>
+              </a:ln>
+              <a:solidFill>
+                <a:prstClr val="black"/>
+              </a:solidFill>
+              <a:effectLst/>
+              <a:uLnTx/>
+              <a:uFillTx/>
+              <a:latin typeface="Calibri"/>
+              <a:ea typeface="+mn-ea"/>
+              <a:cs typeface="+mn-cs"/>
+            </a:endParaRPr>
+          </a:p>
+        </p:txBody>
+      </p:sp>
+      <p:pic>
+        <p:nvPicPr>
+          <p:cNvPr id="2" name="그림 1"/>
+          <p:cNvPicPr>
+            <a:picLocks noChangeAspect="1"/>
+          </p:cNvPicPr>
+          <p:nvPr/>
+        </p:nvPicPr>
+        <p:blipFill>
+          <a:blip r:embed="rId3"/>
+          <a:stretch>
+            <a:fillRect/>
+          </a:stretch>
+        </p:blipFill>
+        <p:spPr>
+          <a:xfrm>
+            <a:off x="301924" y="1173297"/>
+            <a:ext cx="4330550" cy="4746222"/>
+          </a:xfrm>
+          <a:prstGeom prst="rect">
+            <a:avLst/>
+          </a:prstGeom>
+        </p:spPr>
+      </p:pic>
+      <p:pic>
+        <p:nvPicPr>
+          <p:cNvPr id="4" name="그림 3"/>
+          <p:cNvPicPr>
+            <a:picLocks noChangeAspect="1"/>
+          </p:cNvPicPr>
+          <p:nvPr/>
+        </p:nvPicPr>
+        <p:blipFill>
+          <a:blip r:embed="rId4"/>
+          <a:stretch>
+            <a:fillRect/>
+          </a:stretch>
+        </p:blipFill>
+        <p:spPr>
+          <a:xfrm>
+            <a:off x="5089584" y="2118399"/>
+            <a:ext cx="6759695" cy="2605731"/>
+          </a:xfrm>
+          <a:prstGeom prst="rect">
+            <a:avLst/>
+          </a:prstGeom>
+        </p:spPr>
+      </p:pic>
+    </p:spTree>
+    <p:extLst>
+      <p:ext uri="{BB962C8B-B14F-4D97-AF65-F5344CB8AC3E}">
+        <p14:creationId xmlns:p14="http://schemas.microsoft.com/office/powerpoint/2010/main" val="2160755904"/>
+      </p:ext>
+    </p:extLst>
+  </p:cSld>
+  <p:clrMapOvr>
+    <a:masterClrMapping/>
+  </p:clrMapOvr>
+</p:sld>
+</file>
+
+<file path=ppt/slides/slide8.xml><?xml version="1.0" encoding="utf-8"?>
+<p:sld xmlns:a="http://schemas.openxmlformats.org/drawingml/2006/main" xmlns:r="http://schemas.openxmlformats.org/officeDocument/2006/relationships" xmlns:p="http://schemas.openxmlformats.org/presentationml/2006/main">
+  <p:cSld>
+    <p:spTree>
+      <p:nvGrpSpPr>
+        <p:cNvPr id="1" name=""/>
+        <p:cNvGrpSpPr/>
+        <p:nvPr/>
+      </p:nvGrpSpPr>
+      <p:grpSpPr>
+        <a:xfrm>
+          <a:off x="0" y="0"/>
+          <a:ext cx="0" cy="0"/>
+          <a:chOff x="0" y="0"/>
+          <a:chExt cx="0" cy="0"/>
+        </a:xfrm>
+      </p:grpSpPr>
+      <p:sp>
+        <p:nvSpPr>
+          <p:cNvPr id="20" name="object 2">
+            <a:extLst>
+              <a:ext uri="{FF2B5EF4-FFF2-40B4-BE49-F238E27FC236}">
+                <a16:creationId xmlns:a16="http://schemas.microsoft.com/office/drawing/2014/main" id="{ACE4083B-9AD4-407D-89DB-CF8434FE9399}"/>
+              </a:ext>
+            </a:extLst>
+          </p:cNvPr>
+          <p:cNvSpPr txBox="1">
+            <a:spLocks noGrp="1"/>
+          </p:cNvSpPr>
+          <p:nvPr>
+            <p:ph type="title"/>
+          </p:nvPr>
+        </p:nvSpPr>
+        <p:spPr>
+          <a:xfrm>
+            <a:off x="727787" y="57135"/>
+            <a:ext cx="9196979" cy="751488"/>
+          </a:xfrm>
+          <a:prstGeom prst="rect">
+            <a:avLst/>
+          </a:prstGeom>
+        </p:spPr>
+        <p:txBody>
+          <a:bodyPr vert="horz" wrap="square" lIns="0" tIns="12700" rIns="0" bIns="0" rtlCol="0">
+            <a:spAutoFit/>
+          </a:bodyPr>
+          <a:lstStyle/>
+          <a:p>
+            <a:pPr marL="12700">
+              <a:lnSpc>
+                <a:spcPct val="100000"/>
+              </a:lnSpc>
+              <a:spcBef>
+                <a:spcPts val="100"/>
+              </a:spcBef>
+            </a:pPr>
+            <a:r>
+              <a:rPr lang="ko-KR" altLang="en-US" spc="-50" dirty="0"/>
+              <a:t>파이썬 </a:t>
+            </a:r>
+            <a:r>
+              <a:rPr lang="en-US" altLang="ko-KR" spc="-50" dirty="0"/>
+              <a:t>Serial </a:t>
+            </a:r>
+            <a:r>
+              <a:rPr lang="ko-KR" altLang="en-US" spc="-50" dirty="0"/>
+              <a:t>통신 실습</a:t>
+            </a:r>
+          </a:p>
+        </p:txBody>
+      </p:sp>
+      <p:sp>
+        <p:nvSpPr>
+          <p:cNvPr id="21" name="object 3">
+            <a:extLst>
+              <a:ext uri="{FF2B5EF4-FFF2-40B4-BE49-F238E27FC236}">
+                <a16:creationId xmlns:a16="http://schemas.microsoft.com/office/drawing/2014/main" id="{6928F275-549B-46F1-842C-AB0E52AB3B7E}"/>
+              </a:ext>
+            </a:extLst>
+          </p:cNvPr>
+          <p:cNvSpPr/>
+          <p:nvPr/>
+        </p:nvSpPr>
+        <p:spPr>
+          <a:xfrm>
+            <a:off x="549275" y="826429"/>
+            <a:ext cx="11642725" cy="0"/>
+          </a:xfrm>
+          <a:custGeom>
+            <a:avLst/>
+            <a:gdLst/>
+            <a:ahLst/>
+            <a:cxnLst/>
+            <a:rect l="l" t="t" r="r" b="b"/>
+            <a:pathLst>
+              <a:path w="11642725">
+                <a:moveTo>
+                  <a:pt x="0" y="0"/>
+                </a:moveTo>
+                <a:lnTo>
+                  <a:pt x="11642458" y="0"/>
+                </a:lnTo>
+              </a:path>
+            </a:pathLst>
+          </a:custGeom>
+          <a:ln w="6096">
+            <a:solidFill>
+              <a:srgbClr val="FFC000"/>
+            </a:solidFill>
+          </a:ln>
+        </p:spPr>
+        <p:txBody>
+          <a:bodyPr wrap="square" lIns="0" tIns="0" rIns="0" bIns="0" rtlCol="0"/>
+          <a:lstStyle/>
+          <a:p>
+            <a:pPr marL="0" marR="0" lvl="0" indent="0" algn="l" defTabSz="914400" rtl="0" eaLnBrk="1" fontAlgn="auto" latinLnBrk="1" hangingPunct="1">
+              <a:lnSpc>
+                <a:spcPct val="100000"/>
+              </a:lnSpc>
+              <a:spcBef>
+                <a:spcPts val="0"/>
+              </a:spcBef>
+              <a:spcAft>
+                <a:spcPts val="0"/>
+              </a:spcAft>
+              <a:buClrTx/>
+              <a:buSzTx/>
+              <a:buFontTx/>
+              <a:buNone/>
+              <a:tabLst/>
+              <a:defRPr/>
+            </a:pPr>
+            <a:endParaRPr kumimoji="0" sz="1800" b="0" i="0" u="none" strike="noStrike" kern="1200" cap="none" spc="0" normalizeH="0" baseline="0" noProof="0">
+              <a:ln>
+                <a:noFill/>
+              </a:ln>
+              <a:solidFill>
+                <a:prstClr val="black"/>
+              </a:solidFill>
+              <a:effectLst/>
+              <a:uLnTx/>
+              <a:uFillTx/>
+              <a:latin typeface="Calibri"/>
+              <a:ea typeface="+mn-ea"/>
+              <a:cs typeface="+mn-cs"/>
+            </a:endParaRPr>
+          </a:p>
+        </p:txBody>
+      </p:sp>
+      <p:sp>
+        <p:nvSpPr>
+          <p:cNvPr id="22" name="object 4">
+            <a:extLst>
+              <a:ext uri="{FF2B5EF4-FFF2-40B4-BE49-F238E27FC236}">
+                <a16:creationId xmlns:a16="http://schemas.microsoft.com/office/drawing/2014/main" id="{CBE81C76-33F8-423B-B2E7-58643A74939C}"/>
+              </a:ext>
+            </a:extLst>
+          </p:cNvPr>
+          <p:cNvSpPr/>
+          <p:nvPr/>
+        </p:nvSpPr>
+        <p:spPr>
+          <a:xfrm>
+            <a:off x="479246" y="781471"/>
+            <a:ext cx="89915" cy="89916"/>
+          </a:xfrm>
+          <a:prstGeom prst="rect">
+            <a:avLst/>
+          </a:prstGeom>
+          <a:blipFill>
+            <a:blip r:embed="rId2" cstate="print"/>
+            <a:stretch>
+              <a:fillRect/>
+            </a:stretch>
+          </a:blipFill>
+        </p:spPr>
+        <p:txBody>
+          <a:bodyPr wrap="square" lIns="0" tIns="0" rIns="0" bIns="0" rtlCol="0"/>
+          <a:lstStyle/>
+          <a:p>
+            <a:pPr marL="0" marR="0" lvl="0" indent="0" algn="l" defTabSz="914400" rtl="0" eaLnBrk="1" fontAlgn="auto" latinLnBrk="1" hangingPunct="1">
+              <a:lnSpc>
+                <a:spcPct val="100000"/>
+              </a:lnSpc>
+              <a:spcBef>
+                <a:spcPts val="0"/>
+              </a:spcBef>
+              <a:spcAft>
+                <a:spcPts val="0"/>
+              </a:spcAft>
+              <a:buClrTx/>
+              <a:buSzTx/>
+              <a:buFontTx/>
+              <a:buNone/>
+              <a:tabLst/>
+              <a:defRPr/>
+            </a:pPr>
+            <a:endParaRPr kumimoji="0" sz="1800" b="0" i="0" u="none" strike="noStrike" kern="1200" cap="none" spc="0" normalizeH="0" baseline="0" noProof="0">
+              <a:ln>
+                <a:noFill/>
+              </a:ln>
+              <a:solidFill>
+                <a:prstClr val="black"/>
+              </a:solidFill>
+              <a:effectLst/>
+              <a:uLnTx/>
+              <a:uFillTx/>
+              <a:latin typeface="Calibri"/>
+              <a:ea typeface="+mn-ea"/>
+              <a:cs typeface="+mn-cs"/>
+            </a:endParaRPr>
+          </a:p>
+        </p:txBody>
+      </p:sp>
+      <p:pic>
+        <p:nvPicPr>
+          <p:cNvPr id="3" name="그림 2"/>
+          <p:cNvPicPr>
+            <a:picLocks noChangeAspect="1"/>
+          </p:cNvPicPr>
+          <p:nvPr/>
+        </p:nvPicPr>
+        <p:blipFill>
+          <a:blip r:embed="rId3"/>
+          <a:stretch>
+            <a:fillRect/>
+          </a:stretch>
+        </p:blipFill>
+        <p:spPr>
+          <a:xfrm>
+            <a:off x="569161" y="1004697"/>
+            <a:ext cx="5633409" cy="5229325"/>
+          </a:xfrm>
+          <a:prstGeom prst="rect">
+            <a:avLst/>
+          </a:prstGeom>
+        </p:spPr>
+      </p:pic>
+      <p:pic>
+        <p:nvPicPr>
+          <p:cNvPr id="6" name="그림 5"/>
+          <p:cNvPicPr>
+            <a:picLocks noChangeAspect="1"/>
+          </p:cNvPicPr>
+          <p:nvPr/>
+        </p:nvPicPr>
+        <p:blipFill>
+          <a:blip r:embed="rId4"/>
+          <a:stretch>
+            <a:fillRect/>
+          </a:stretch>
+        </p:blipFill>
+        <p:spPr>
+          <a:xfrm>
+            <a:off x="6778655" y="3201297"/>
+            <a:ext cx="4287754" cy="991139"/>
+          </a:xfrm>
+          <a:prstGeom prst="rect">
+            <a:avLst/>
+          </a:prstGeom>
+        </p:spPr>
+      </p:pic>
+    </p:spTree>
+    <p:extLst>
+      <p:ext uri="{BB962C8B-B14F-4D97-AF65-F5344CB8AC3E}">
+        <p14:creationId xmlns:p14="http://schemas.microsoft.com/office/powerpoint/2010/main" val="2734657047"/>
+      </p:ext>
+    </p:extLst>
+  </p:cSld>
+  <p:clrMapOvr>
+    <a:masterClrMapping/>
+  </p:clrMapOvr>
+</p:sld>
+</file>
+
+<file path=ppt/slides/slide9.xml><?xml version="1.0" encoding="utf-8"?>
 <p:sld xmlns:a="http://schemas.openxmlformats.org/drawingml/2006/main" xmlns:r="http://schemas.openxmlformats.org/officeDocument/2006/relationships" xmlns:p="http://schemas.openxmlformats.org/presentationml/2006/main">
   <p:cSld>
     <p:spTree>
@@ -7340,1202 +9757,6 @@
     <p:extLst>
       <p:ext uri="{BB962C8B-B14F-4D97-AF65-F5344CB8AC3E}">
         <p14:creationId xmlns:p14="http://schemas.microsoft.com/office/powerpoint/2010/main" val="3519373530"/>
-      </p:ext>
-    </p:extLst>
-  </p:cSld>
-  <p:clrMapOvr>
-    <a:masterClrMapping/>
-  </p:clrMapOvr>
-</p:sld>
-</file>
-
-<file path=ppt/slides/slide5.xml><?xml version="1.0" encoding="utf-8"?>
-<p:sld xmlns:a="http://schemas.openxmlformats.org/drawingml/2006/main" xmlns:r="http://schemas.openxmlformats.org/officeDocument/2006/relationships" xmlns:p="http://schemas.openxmlformats.org/presentationml/2006/main">
-  <p:cSld>
-    <p:spTree>
-      <p:nvGrpSpPr>
-        <p:cNvPr id="1" name=""/>
-        <p:cNvGrpSpPr/>
-        <p:nvPr/>
-      </p:nvGrpSpPr>
-      <p:grpSpPr>
-        <a:xfrm>
-          <a:off x="0" y="0"/>
-          <a:ext cx="0" cy="0"/>
-          <a:chOff x="0" y="0"/>
-          <a:chExt cx="0" cy="0"/>
-        </a:xfrm>
-      </p:grpSpPr>
-      <p:sp>
-        <p:nvSpPr>
-          <p:cNvPr id="12" name="object 6">
-            <a:extLst>
-              <a:ext uri="{FF2B5EF4-FFF2-40B4-BE49-F238E27FC236}">
-                <a16:creationId xmlns:a16="http://schemas.microsoft.com/office/drawing/2014/main" id="{F935D878-D93A-497E-AC5B-22B56E179BEB}"/>
-              </a:ext>
-            </a:extLst>
-          </p:cNvPr>
-          <p:cNvSpPr/>
-          <p:nvPr/>
-        </p:nvSpPr>
-        <p:spPr>
-          <a:xfrm>
-            <a:off x="200532" y="889193"/>
-            <a:ext cx="5390756" cy="5794235"/>
-          </a:xfrm>
-          <a:custGeom>
-            <a:avLst/>
-            <a:gdLst/>
-            <a:ahLst/>
-            <a:cxnLst/>
-            <a:rect l="l" t="t" r="r" b="b"/>
-            <a:pathLst>
-              <a:path w="5311775" h="4003675">
-                <a:moveTo>
-                  <a:pt x="0" y="0"/>
-                </a:moveTo>
-                <a:lnTo>
-                  <a:pt x="5311343" y="0"/>
-                </a:lnTo>
-                <a:lnTo>
-                  <a:pt x="5311343" y="4003154"/>
-                </a:lnTo>
-                <a:lnTo>
-                  <a:pt x="0" y="4003154"/>
-                </a:lnTo>
-                <a:lnTo>
-                  <a:pt x="0" y="0"/>
-                </a:lnTo>
-                <a:close/>
-              </a:path>
-            </a:pathLst>
-          </a:custGeom>
-          <a:solidFill>
-            <a:srgbClr val="FFFFFF"/>
-          </a:solidFill>
-        </p:spPr>
-        <p:txBody>
-          <a:bodyPr wrap="square" lIns="0" tIns="0" rIns="0" bIns="0" rtlCol="0"/>
-          <a:lstStyle/>
-          <a:p>
-            <a:pPr marL="0" marR="0" lvl="0" indent="0" algn="l" defTabSz="914400" rtl="0" eaLnBrk="1" fontAlgn="auto" latinLnBrk="1" hangingPunct="1">
-              <a:lnSpc>
-                <a:spcPct val="100000"/>
-              </a:lnSpc>
-              <a:spcBef>
-                <a:spcPts val="0"/>
-              </a:spcBef>
-              <a:spcAft>
-                <a:spcPts val="0"/>
-              </a:spcAft>
-              <a:buClrTx/>
-              <a:buSzTx/>
-              <a:buFontTx/>
-              <a:buNone/>
-              <a:tabLst/>
-              <a:defRPr/>
-            </a:pPr>
-            <a:endParaRPr kumimoji="0" sz="1800" b="0" i="0" u="none" strike="noStrike" kern="1200" cap="none" spc="0" normalizeH="0" baseline="0" noProof="0">
-              <a:ln>
-                <a:noFill/>
-              </a:ln>
-              <a:solidFill>
-                <a:prstClr val="black"/>
-              </a:solidFill>
-              <a:effectLst/>
-              <a:uLnTx/>
-              <a:uFillTx/>
-              <a:latin typeface="Calibri"/>
-              <a:ea typeface="+mn-ea"/>
-              <a:cs typeface="+mn-cs"/>
-            </a:endParaRPr>
-          </a:p>
-        </p:txBody>
-      </p:sp>
-      <p:sp>
-        <p:nvSpPr>
-          <p:cNvPr id="13" name="object 7">
-            <a:extLst>
-              <a:ext uri="{FF2B5EF4-FFF2-40B4-BE49-F238E27FC236}">
-                <a16:creationId xmlns:a16="http://schemas.microsoft.com/office/drawing/2014/main" id="{F00A901E-FCC8-4B9A-B84A-0B3FB5EE3464}"/>
-              </a:ext>
-            </a:extLst>
-          </p:cNvPr>
-          <p:cNvSpPr/>
-          <p:nvPr/>
-        </p:nvSpPr>
-        <p:spPr>
-          <a:xfrm>
-            <a:off x="634709" y="1633360"/>
-            <a:ext cx="0" cy="4010025"/>
-          </a:xfrm>
-          <a:custGeom>
-            <a:avLst/>
-            <a:gdLst/>
-            <a:ahLst/>
-            <a:cxnLst/>
-            <a:rect l="l" t="t" r="r" b="b"/>
-            <a:pathLst>
-              <a:path h="4010025">
-                <a:moveTo>
-                  <a:pt x="0" y="0"/>
-                </a:moveTo>
-                <a:lnTo>
-                  <a:pt x="0" y="4009504"/>
-                </a:lnTo>
-              </a:path>
-            </a:pathLst>
-          </a:custGeom>
-          <a:ln w="6350">
-            <a:solidFill>
-              <a:srgbClr val="FFFFFF"/>
-            </a:solidFill>
-          </a:ln>
-        </p:spPr>
-        <p:txBody>
-          <a:bodyPr wrap="square" lIns="0" tIns="0" rIns="0" bIns="0" rtlCol="0"/>
-          <a:lstStyle/>
-          <a:p>
-            <a:pPr marL="0" marR="0" lvl="0" indent="0" algn="l" defTabSz="914400" rtl="0" eaLnBrk="1" fontAlgn="auto" latinLnBrk="1" hangingPunct="1">
-              <a:lnSpc>
-                <a:spcPct val="100000"/>
-              </a:lnSpc>
-              <a:spcBef>
-                <a:spcPts val="0"/>
-              </a:spcBef>
-              <a:spcAft>
-                <a:spcPts val="0"/>
-              </a:spcAft>
-              <a:buClrTx/>
-              <a:buSzTx/>
-              <a:buFontTx/>
-              <a:buNone/>
-              <a:tabLst/>
-              <a:defRPr/>
-            </a:pPr>
-            <a:endParaRPr kumimoji="0" sz="1800" b="0" i="0" u="none" strike="noStrike" kern="1200" cap="none" spc="0" normalizeH="0" baseline="0" noProof="0">
-              <a:ln>
-                <a:noFill/>
-              </a:ln>
-              <a:solidFill>
-                <a:prstClr val="black"/>
-              </a:solidFill>
-              <a:effectLst/>
-              <a:uLnTx/>
-              <a:uFillTx/>
-              <a:latin typeface="Calibri"/>
-              <a:ea typeface="+mn-ea"/>
-              <a:cs typeface="+mn-cs"/>
-            </a:endParaRPr>
-          </a:p>
-        </p:txBody>
-      </p:sp>
-      <p:sp>
-        <p:nvSpPr>
-          <p:cNvPr id="14" name="object 8">
-            <a:extLst>
-              <a:ext uri="{FF2B5EF4-FFF2-40B4-BE49-F238E27FC236}">
-                <a16:creationId xmlns:a16="http://schemas.microsoft.com/office/drawing/2014/main" id="{4CCDA6C6-2EDD-4D44-B201-64041A8A60FB}"/>
-              </a:ext>
-            </a:extLst>
-          </p:cNvPr>
-          <p:cNvSpPr/>
-          <p:nvPr/>
-        </p:nvSpPr>
-        <p:spPr>
-          <a:xfrm>
-            <a:off x="6108606" y="1633360"/>
-            <a:ext cx="0" cy="4010025"/>
-          </a:xfrm>
-          <a:custGeom>
-            <a:avLst/>
-            <a:gdLst/>
-            <a:ahLst/>
-            <a:cxnLst/>
-            <a:rect l="l" t="t" r="r" b="b"/>
-            <a:pathLst>
-              <a:path h="4010025">
-                <a:moveTo>
-                  <a:pt x="0" y="0"/>
-                </a:moveTo>
-                <a:lnTo>
-                  <a:pt x="0" y="4009504"/>
-                </a:lnTo>
-              </a:path>
-            </a:pathLst>
-          </a:custGeom>
-          <a:ln w="6350">
-            <a:solidFill>
-              <a:srgbClr val="FFFFFF"/>
-            </a:solidFill>
-          </a:ln>
-        </p:spPr>
-        <p:txBody>
-          <a:bodyPr wrap="square" lIns="0" tIns="0" rIns="0" bIns="0" rtlCol="0"/>
-          <a:lstStyle/>
-          <a:p>
-            <a:pPr marL="0" marR="0" lvl="0" indent="0" algn="l" defTabSz="914400" rtl="0" eaLnBrk="1" fontAlgn="auto" latinLnBrk="1" hangingPunct="1">
-              <a:lnSpc>
-                <a:spcPct val="100000"/>
-              </a:lnSpc>
-              <a:spcBef>
-                <a:spcPts val="0"/>
-              </a:spcBef>
-              <a:spcAft>
-                <a:spcPts val="0"/>
-              </a:spcAft>
-              <a:buClrTx/>
-              <a:buSzTx/>
-              <a:buFontTx/>
-              <a:buNone/>
-              <a:tabLst/>
-              <a:defRPr/>
-            </a:pPr>
-            <a:endParaRPr kumimoji="0" sz="1800" b="0" i="0" u="none" strike="noStrike" kern="1200" cap="none" spc="0" normalizeH="0" baseline="0" noProof="0">
-              <a:ln>
-                <a:noFill/>
-              </a:ln>
-              <a:solidFill>
-                <a:prstClr val="black"/>
-              </a:solidFill>
-              <a:effectLst/>
-              <a:uLnTx/>
-              <a:uFillTx/>
-              <a:latin typeface="Calibri"/>
-              <a:ea typeface="+mn-ea"/>
-              <a:cs typeface="+mn-cs"/>
-            </a:endParaRPr>
-          </a:p>
-        </p:txBody>
-      </p:sp>
-      <p:sp>
-        <p:nvSpPr>
-          <p:cNvPr id="15" name="object 9">
-            <a:extLst>
-              <a:ext uri="{FF2B5EF4-FFF2-40B4-BE49-F238E27FC236}">
-                <a16:creationId xmlns:a16="http://schemas.microsoft.com/office/drawing/2014/main" id="{C4E2712A-DCBA-49B7-9AB1-4D41D457D3D7}"/>
-              </a:ext>
-            </a:extLst>
-          </p:cNvPr>
-          <p:cNvSpPr/>
-          <p:nvPr/>
-        </p:nvSpPr>
-        <p:spPr>
-          <a:xfrm>
-            <a:off x="631534" y="1636535"/>
-            <a:ext cx="5480685" cy="0"/>
-          </a:xfrm>
-          <a:custGeom>
-            <a:avLst/>
-            <a:gdLst/>
-            <a:ahLst/>
-            <a:cxnLst/>
-            <a:rect l="l" t="t" r="r" b="b"/>
-            <a:pathLst>
-              <a:path w="5480685">
-                <a:moveTo>
-                  <a:pt x="0" y="0"/>
-                </a:moveTo>
-                <a:lnTo>
-                  <a:pt x="5480253" y="0"/>
-                </a:lnTo>
-              </a:path>
-            </a:pathLst>
-          </a:custGeom>
-          <a:ln w="6350">
-            <a:solidFill>
-              <a:srgbClr val="FFFFFF"/>
-            </a:solidFill>
-          </a:ln>
-        </p:spPr>
-        <p:txBody>
-          <a:bodyPr wrap="square" lIns="0" tIns="0" rIns="0" bIns="0" rtlCol="0"/>
-          <a:lstStyle/>
-          <a:p>
-            <a:pPr marL="0" marR="0" lvl="0" indent="0" algn="l" defTabSz="914400" rtl="0" eaLnBrk="1" fontAlgn="auto" latinLnBrk="1" hangingPunct="1">
-              <a:lnSpc>
-                <a:spcPct val="100000"/>
-              </a:lnSpc>
-              <a:spcBef>
-                <a:spcPts val="0"/>
-              </a:spcBef>
-              <a:spcAft>
-                <a:spcPts val="0"/>
-              </a:spcAft>
-              <a:buClrTx/>
-              <a:buSzTx/>
-              <a:buFontTx/>
-              <a:buNone/>
-              <a:tabLst/>
-              <a:defRPr/>
-            </a:pPr>
-            <a:endParaRPr kumimoji="0" sz="1800" b="0" i="0" u="none" strike="noStrike" kern="1200" cap="none" spc="0" normalizeH="0" baseline="0" noProof="0">
-              <a:ln>
-                <a:noFill/>
-              </a:ln>
-              <a:solidFill>
-                <a:prstClr val="black"/>
-              </a:solidFill>
-              <a:effectLst/>
-              <a:uLnTx/>
-              <a:uFillTx/>
-              <a:latin typeface="Calibri"/>
-              <a:ea typeface="+mn-ea"/>
-              <a:cs typeface="+mn-cs"/>
-            </a:endParaRPr>
-          </a:p>
-        </p:txBody>
-      </p:sp>
-      <p:sp>
-        <p:nvSpPr>
-          <p:cNvPr id="16" name="object 10">
-            <a:extLst>
-              <a:ext uri="{FF2B5EF4-FFF2-40B4-BE49-F238E27FC236}">
-                <a16:creationId xmlns:a16="http://schemas.microsoft.com/office/drawing/2014/main" id="{2DE5FCB2-3556-493B-828D-21139AA29959}"/>
-              </a:ext>
-            </a:extLst>
-          </p:cNvPr>
-          <p:cNvSpPr/>
-          <p:nvPr/>
-        </p:nvSpPr>
-        <p:spPr>
-          <a:xfrm>
-            <a:off x="631534" y="5639693"/>
-            <a:ext cx="5480685" cy="0"/>
-          </a:xfrm>
-          <a:custGeom>
-            <a:avLst/>
-            <a:gdLst/>
-            <a:ahLst/>
-            <a:cxnLst/>
-            <a:rect l="l" t="t" r="r" b="b"/>
-            <a:pathLst>
-              <a:path w="5480685">
-                <a:moveTo>
-                  <a:pt x="0" y="0"/>
-                </a:moveTo>
-                <a:lnTo>
-                  <a:pt x="5480253" y="0"/>
-                </a:lnTo>
-              </a:path>
-            </a:pathLst>
-          </a:custGeom>
-          <a:ln w="6350">
-            <a:solidFill>
-              <a:srgbClr val="FFFFFF"/>
-            </a:solidFill>
-          </a:ln>
-        </p:spPr>
-        <p:txBody>
-          <a:bodyPr wrap="square" lIns="0" tIns="0" rIns="0" bIns="0" rtlCol="0"/>
-          <a:lstStyle/>
-          <a:p>
-            <a:pPr marL="0" marR="0" lvl="0" indent="0" algn="l" defTabSz="914400" rtl="0" eaLnBrk="1" fontAlgn="auto" latinLnBrk="1" hangingPunct="1">
-              <a:lnSpc>
-                <a:spcPct val="100000"/>
-              </a:lnSpc>
-              <a:spcBef>
-                <a:spcPts val="0"/>
-              </a:spcBef>
-              <a:spcAft>
-                <a:spcPts val="0"/>
-              </a:spcAft>
-              <a:buClrTx/>
-              <a:buSzTx/>
-              <a:buFontTx/>
-              <a:buNone/>
-              <a:tabLst/>
-              <a:defRPr/>
-            </a:pPr>
-            <a:endParaRPr kumimoji="0" sz="1800" b="0" i="0" u="none" strike="noStrike" kern="1200" cap="none" spc="0" normalizeH="0" baseline="0" noProof="0">
-              <a:ln>
-                <a:noFill/>
-              </a:ln>
-              <a:solidFill>
-                <a:prstClr val="black"/>
-              </a:solidFill>
-              <a:effectLst/>
-              <a:uLnTx/>
-              <a:uFillTx/>
-              <a:latin typeface="Calibri"/>
-              <a:ea typeface="+mn-ea"/>
-              <a:cs typeface="+mn-cs"/>
-            </a:endParaRPr>
-          </a:p>
-        </p:txBody>
-      </p:sp>
-      <p:sp>
-        <p:nvSpPr>
-          <p:cNvPr id="17" name="object 11">
-            <a:extLst>
-              <a:ext uri="{FF2B5EF4-FFF2-40B4-BE49-F238E27FC236}">
-                <a16:creationId xmlns:a16="http://schemas.microsoft.com/office/drawing/2014/main" id="{7D407415-777E-40AF-AF4B-AFFC57B0F230}"/>
-              </a:ext>
-            </a:extLst>
-          </p:cNvPr>
-          <p:cNvSpPr txBox="1"/>
-          <p:nvPr/>
-        </p:nvSpPr>
-        <p:spPr>
-          <a:xfrm>
-            <a:off x="273482" y="889193"/>
-            <a:ext cx="6558701" cy="4013919"/>
-          </a:xfrm>
-          <a:prstGeom prst="rect">
-            <a:avLst/>
-          </a:prstGeom>
-        </p:spPr>
-        <p:txBody>
-          <a:bodyPr vert="horz" wrap="square" lIns="0" tIns="134620" rIns="0" bIns="0" rtlCol="0">
-            <a:spAutoFit/>
-          </a:bodyPr>
-          <a:lstStyle/>
-          <a:p>
-            <a:r>
-              <a:rPr lang="en-US" altLang="ko-KR" dirty="0"/>
-              <a:t> </a:t>
-            </a:r>
-            <a:r>
-              <a:rPr lang="en-US" altLang="ko-KR" dirty="0" err="1"/>
-              <a:t>self.slabel</a:t>
-            </a:r>
-            <a:r>
-              <a:rPr lang="en-US" altLang="ko-KR" dirty="0"/>
-              <a:t> = </a:t>
-            </a:r>
-            <a:r>
-              <a:rPr lang="en-US" altLang="ko-KR" dirty="0" err="1"/>
-              <a:t>tk.Label</a:t>
-            </a:r>
-            <a:r>
-              <a:rPr lang="en-US" altLang="ko-KR" dirty="0"/>
-              <a:t>(self, text="Send:")</a:t>
-            </a:r>
-          </a:p>
-          <a:p>
-            <a:r>
-              <a:rPr lang="en-US" altLang="ko-KR" dirty="0"/>
-              <a:t>        </a:t>
-            </a:r>
-            <a:r>
-              <a:rPr lang="en-US" altLang="ko-KR" dirty="0" err="1"/>
-              <a:t>self.slabel.grid</a:t>
-            </a:r>
-            <a:r>
-              <a:rPr lang="en-US" altLang="ko-KR" dirty="0"/>
-              <a:t>(row=1, column=0)</a:t>
-            </a:r>
-          </a:p>
-          <a:p>
-            <a:endParaRPr lang="en-US" altLang="ko-KR" dirty="0"/>
-          </a:p>
-          <a:p>
-            <a:r>
-              <a:rPr lang="en-US" altLang="ko-KR" dirty="0"/>
-              <a:t>        </a:t>
-            </a:r>
-            <a:r>
-              <a:rPr lang="en-US" altLang="ko-KR" dirty="0" err="1"/>
-              <a:t>self.sdata</a:t>
-            </a:r>
-            <a:r>
-              <a:rPr lang="en-US" altLang="ko-KR" dirty="0"/>
-              <a:t> = </a:t>
-            </a:r>
-            <a:r>
-              <a:rPr lang="en-US" altLang="ko-KR" dirty="0" err="1"/>
-              <a:t>tk.Entry</a:t>
-            </a:r>
-            <a:r>
-              <a:rPr lang="en-US" altLang="ko-KR" dirty="0"/>
-              <a:t>(self)</a:t>
-            </a:r>
-          </a:p>
-          <a:p>
-            <a:r>
-              <a:rPr lang="en-US" altLang="ko-KR" dirty="0"/>
-              <a:t>        </a:t>
-            </a:r>
-            <a:r>
-              <a:rPr lang="en-US" altLang="ko-KR" dirty="0" err="1"/>
-              <a:t>self.sdata.grid</a:t>
-            </a:r>
-            <a:r>
-              <a:rPr lang="en-US" altLang="ko-KR" dirty="0"/>
-              <a:t>(row=1, column=1)</a:t>
-            </a:r>
-          </a:p>
-          <a:p>
-            <a:endParaRPr lang="en-US" altLang="ko-KR" dirty="0"/>
-          </a:p>
-          <a:p>
-            <a:r>
-              <a:rPr lang="en-US" altLang="ko-KR" dirty="0"/>
-              <a:t>        </a:t>
-            </a:r>
-            <a:r>
-              <a:rPr lang="en-US" altLang="ko-KR" dirty="0" err="1"/>
-              <a:t>self.btn_send</a:t>
-            </a:r>
-            <a:r>
-              <a:rPr lang="en-US" altLang="ko-KR" dirty="0"/>
-              <a:t> = </a:t>
-            </a:r>
-            <a:r>
-              <a:rPr lang="en-US" altLang="ko-KR" dirty="0" err="1"/>
-              <a:t>tk.Button</a:t>
-            </a:r>
-            <a:r>
-              <a:rPr lang="en-US" altLang="ko-KR" dirty="0"/>
-              <a:t>(self, text="Send", width=15, command=</a:t>
-            </a:r>
-            <a:r>
-              <a:rPr lang="en-US" altLang="ko-KR" dirty="0" err="1"/>
-              <a:t>self.on_send</a:t>
-            </a:r>
-            <a:r>
-              <a:rPr lang="en-US" altLang="ko-KR" dirty="0"/>
-              <a:t>)</a:t>
-            </a:r>
-          </a:p>
-          <a:p>
-            <a:r>
-              <a:rPr lang="en-US" altLang="ko-KR" dirty="0"/>
-              <a:t>        </a:t>
-            </a:r>
-            <a:r>
-              <a:rPr lang="en-US" altLang="ko-KR" dirty="0" err="1"/>
-              <a:t>self.btn_send.grid</a:t>
-            </a:r>
-            <a:r>
-              <a:rPr lang="en-US" altLang="ko-KR" dirty="0"/>
-              <a:t>(row=2, column=1)</a:t>
-            </a:r>
-          </a:p>
-          <a:p>
-            <a:endParaRPr lang="en-US" altLang="ko-KR" dirty="0"/>
-          </a:p>
-          <a:p>
-            <a:r>
-              <a:rPr lang="en-US" altLang="ko-KR" dirty="0"/>
-              <a:t>        </a:t>
-            </a:r>
-            <a:r>
-              <a:rPr lang="en-US" altLang="ko-KR" dirty="0" err="1"/>
-              <a:t>self.queue</a:t>
-            </a:r>
-            <a:r>
-              <a:rPr lang="en-US" altLang="ko-KR" dirty="0"/>
-              <a:t> = </a:t>
-            </a:r>
-            <a:r>
-              <a:rPr lang="en-US" altLang="ko-KR" dirty="0" err="1"/>
-              <a:t>queue.Queue</a:t>
-            </a:r>
-            <a:r>
-              <a:rPr lang="en-US" altLang="ko-KR" dirty="0"/>
-              <a:t>()</a:t>
-            </a:r>
-          </a:p>
-          <a:p>
-            <a:r>
-              <a:rPr lang="en-US" altLang="ko-KR" dirty="0"/>
-              <a:t>        </a:t>
-            </a:r>
-            <a:r>
-              <a:rPr lang="en-US" altLang="ko-KR" dirty="0" err="1"/>
-              <a:t>self.thread</a:t>
-            </a:r>
-            <a:r>
-              <a:rPr lang="en-US" altLang="ko-KR" dirty="0"/>
-              <a:t> = </a:t>
-            </a:r>
-            <a:r>
-              <a:rPr lang="en-US" altLang="ko-KR" dirty="0" err="1"/>
-              <a:t>SerialThread</a:t>
-            </a:r>
-            <a:r>
-              <a:rPr lang="en-US" altLang="ko-KR" dirty="0"/>
-              <a:t>(</a:t>
-            </a:r>
-            <a:r>
-              <a:rPr lang="en-US" altLang="ko-KR" dirty="0" err="1"/>
-              <a:t>self.queue</a:t>
-            </a:r>
-            <a:r>
-              <a:rPr lang="en-US" altLang="ko-KR" dirty="0"/>
-              <a:t>)</a:t>
-            </a:r>
-          </a:p>
-          <a:p>
-            <a:r>
-              <a:rPr lang="en-US" altLang="ko-KR" dirty="0"/>
-              <a:t>        </a:t>
-            </a:r>
-            <a:r>
-              <a:rPr lang="en-US" altLang="ko-KR" dirty="0" err="1"/>
-              <a:t>self.thread.start</a:t>
-            </a:r>
-            <a:r>
-              <a:rPr lang="en-US" altLang="ko-KR" dirty="0"/>
-              <a:t>()</a:t>
-            </a:r>
-          </a:p>
-          <a:p>
-            <a:r>
-              <a:rPr lang="en-US" altLang="ko-KR" dirty="0"/>
-              <a:t>        </a:t>
-            </a:r>
-            <a:r>
-              <a:rPr lang="en-US" altLang="ko-KR" dirty="0" err="1"/>
-              <a:t>self.process_serial</a:t>
-            </a:r>
-            <a:r>
-              <a:rPr lang="en-US" altLang="ko-KR" dirty="0"/>
-              <a:t>()</a:t>
-            </a:r>
-          </a:p>
-        </p:txBody>
-      </p:sp>
-      <p:sp>
-        <p:nvSpPr>
-          <p:cNvPr id="20" name="object 2">
-            <a:extLst>
-              <a:ext uri="{FF2B5EF4-FFF2-40B4-BE49-F238E27FC236}">
-                <a16:creationId xmlns:a16="http://schemas.microsoft.com/office/drawing/2014/main" id="{ACE4083B-9AD4-407D-89DB-CF8434FE9399}"/>
-              </a:ext>
-            </a:extLst>
-          </p:cNvPr>
-          <p:cNvSpPr txBox="1">
-            <a:spLocks noGrp="1"/>
-          </p:cNvSpPr>
-          <p:nvPr>
-            <p:ph type="title"/>
-          </p:nvPr>
-        </p:nvSpPr>
-        <p:spPr>
-          <a:xfrm>
-            <a:off x="727787" y="57135"/>
-            <a:ext cx="9196979" cy="751488"/>
-          </a:xfrm>
-          <a:prstGeom prst="rect">
-            <a:avLst/>
-          </a:prstGeom>
-        </p:spPr>
-        <p:txBody>
-          <a:bodyPr vert="horz" wrap="square" lIns="0" tIns="12700" rIns="0" bIns="0" rtlCol="0">
-            <a:spAutoFit/>
-          </a:bodyPr>
-          <a:lstStyle/>
-          <a:p>
-            <a:pPr marL="12700">
-              <a:lnSpc>
-                <a:spcPct val="100000"/>
-              </a:lnSpc>
-              <a:spcBef>
-                <a:spcPts val="100"/>
-              </a:spcBef>
-            </a:pPr>
-            <a:r>
-              <a:rPr lang="ko-KR" altLang="en-US" spc="-50" dirty="0"/>
-              <a:t>파이썬 </a:t>
-            </a:r>
-            <a:r>
-              <a:rPr lang="en-US" altLang="ko-KR" spc="-50" dirty="0"/>
-              <a:t>Serial </a:t>
-            </a:r>
-            <a:r>
-              <a:rPr lang="ko-KR" altLang="en-US" spc="-50" dirty="0"/>
-              <a:t>통신 실습</a:t>
-            </a:r>
-          </a:p>
-        </p:txBody>
-      </p:sp>
-      <p:sp>
-        <p:nvSpPr>
-          <p:cNvPr id="21" name="object 3">
-            <a:extLst>
-              <a:ext uri="{FF2B5EF4-FFF2-40B4-BE49-F238E27FC236}">
-                <a16:creationId xmlns:a16="http://schemas.microsoft.com/office/drawing/2014/main" id="{6928F275-549B-46F1-842C-AB0E52AB3B7E}"/>
-              </a:ext>
-            </a:extLst>
-          </p:cNvPr>
-          <p:cNvSpPr/>
-          <p:nvPr/>
-        </p:nvSpPr>
-        <p:spPr>
-          <a:xfrm>
-            <a:off x="549275" y="826429"/>
-            <a:ext cx="11642725" cy="0"/>
-          </a:xfrm>
-          <a:custGeom>
-            <a:avLst/>
-            <a:gdLst/>
-            <a:ahLst/>
-            <a:cxnLst/>
-            <a:rect l="l" t="t" r="r" b="b"/>
-            <a:pathLst>
-              <a:path w="11642725">
-                <a:moveTo>
-                  <a:pt x="0" y="0"/>
-                </a:moveTo>
-                <a:lnTo>
-                  <a:pt x="11642458" y="0"/>
-                </a:lnTo>
-              </a:path>
-            </a:pathLst>
-          </a:custGeom>
-          <a:ln w="6096">
-            <a:solidFill>
-              <a:srgbClr val="FFC000"/>
-            </a:solidFill>
-          </a:ln>
-        </p:spPr>
-        <p:txBody>
-          <a:bodyPr wrap="square" lIns="0" tIns="0" rIns="0" bIns="0" rtlCol="0"/>
-          <a:lstStyle/>
-          <a:p>
-            <a:pPr marL="0" marR="0" lvl="0" indent="0" algn="l" defTabSz="914400" rtl="0" eaLnBrk="1" fontAlgn="auto" latinLnBrk="1" hangingPunct="1">
-              <a:lnSpc>
-                <a:spcPct val="100000"/>
-              </a:lnSpc>
-              <a:spcBef>
-                <a:spcPts val="0"/>
-              </a:spcBef>
-              <a:spcAft>
-                <a:spcPts val="0"/>
-              </a:spcAft>
-              <a:buClrTx/>
-              <a:buSzTx/>
-              <a:buFontTx/>
-              <a:buNone/>
-              <a:tabLst/>
-              <a:defRPr/>
-            </a:pPr>
-            <a:endParaRPr kumimoji="0" sz="1800" b="0" i="0" u="none" strike="noStrike" kern="1200" cap="none" spc="0" normalizeH="0" baseline="0" noProof="0">
-              <a:ln>
-                <a:noFill/>
-              </a:ln>
-              <a:solidFill>
-                <a:prstClr val="black"/>
-              </a:solidFill>
-              <a:effectLst/>
-              <a:uLnTx/>
-              <a:uFillTx/>
-              <a:latin typeface="Calibri"/>
-              <a:ea typeface="+mn-ea"/>
-              <a:cs typeface="+mn-cs"/>
-            </a:endParaRPr>
-          </a:p>
-        </p:txBody>
-      </p:sp>
-      <p:sp>
-        <p:nvSpPr>
-          <p:cNvPr id="22" name="object 4">
-            <a:extLst>
-              <a:ext uri="{FF2B5EF4-FFF2-40B4-BE49-F238E27FC236}">
-                <a16:creationId xmlns:a16="http://schemas.microsoft.com/office/drawing/2014/main" id="{CBE81C76-33F8-423B-B2E7-58643A74939C}"/>
-              </a:ext>
-            </a:extLst>
-          </p:cNvPr>
-          <p:cNvSpPr/>
-          <p:nvPr/>
-        </p:nvSpPr>
-        <p:spPr>
-          <a:xfrm>
-            <a:off x="479246" y="781471"/>
-            <a:ext cx="89915" cy="89916"/>
-          </a:xfrm>
-          <a:prstGeom prst="rect">
-            <a:avLst/>
-          </a:prstGeom>
-          <a:blipFill>
-            <a:blip r:embed="rId2" cstate="print"/>
-            <a:stretch>
-              <a:fillRect/>
-            </a:stretch>
-          </a:blipFill>
-        </p:spPr>
-        <p:txBody>
-          <a:bodyPr wrap="square" lIns="0" tIns="0" rIns="0" bIns="0" rtlCol="0"/>
-          <a:lstStyle/>
-          <a:p>
-            <a:pPr marL="0" marR="0" lvl="0" indent="0" algn="l" defTabSz="914400" rtl="0" eaLnBrk="1" fontAlgn="auto" latinLnBrk="1" hangingPunct="1">
-              <a:lnSpc>
-                <a:spcPct val="100000"/>
-              </a:lnSpc>
-              <a:spcBef>
-                <a:spcPts val="0"/>
-              </a:spcBef>
-              <a:spcAft>
-                <a:spcPts val="0"/>
-              </a:spcAft>
-              <a:buClrTx/>
-              <a:buSzTx/>
-              <a:buFontTx/>
-              <a:buNone/>
-              <a:tabLst/>
-              <a:defRPr/>
-            </a:pPr>
-            <a:endParaRPr kumimoji="0" sz="1800" b="0" i="0" u="none" strike="noStrike" kern="1200" cap="none" spc="0" normalizeH="0" baseline="0" noProof="0">
-              <a:ln>
-                <a:noFill/>
-              </a:ln>
-              <a:solidFill>
-                <a:prstClr val="black"/>
-              </a:solidFill>
-              <a:effectLst/>
-              <a:uLnTx/>
-              <a:uFillTx/>
-              <a:latin typeface="Calibri"/>
-              <a:ea typeface="+mn-ea"/>
-              <a:cs typeface="+mn-cs"/>
-            </a:endParaRPr>
-          </a:p>
-        </p:txBody>
-      </p:sp>
-      <p:sp>
-        <p:nvSpPr>
-          <p:cNvPr id="18" name="object 6">
-            <a:extLst>
-              <a:ext uri="{FF2B5EF4-FFF2-40B4-BE49-F238E27FC236}">
-                <a16:creationId xmlns:a16="http://schemas.microsoft.com/office/drawing/2014/main" id="{5C28AEC8-E2FB-4339-AD13-F13171789871}"/>
-              </a:ext>
-            </a:extLst>
-          </p:cNvPr>
-          <p:cNvSpPr/>
-          <p:nvPr/>
-        </p:nvSpPr>
-        <p:spPr>
-          <a:xfrm>
-            <a:off x="6112219" y="906999"/>
-            <a:ext cx="5390756" cy="5951001"/>
-          </a:xfrm>
-          <a:custGeom>
-            <a:avLst/>
-            <a:gdLst/>
-            <a:ahLst/>
-            <a:cxnLst/>
-            <a:rect l="l" t="t" r="r" b="b"/>
-            <a:pathLst>
-              <a:path w="5311775" h="4003675">
-                <a:moveTo>
-                  <a:pt x="0" y="0"/>
-                </a:moveTo>
-                <a:lnTo>
-                  <a:pt x="5311343" y="0"/>
-                </a:lnTo>
-                <a:lnTo>
-                  <a:pt x="5311343" y="4003154"/>
-                </a:lnTo>
-                <a:lnTo>
-                  <a:pt x="0" y="4003154"/>
-                </a:lnTo>
-                <a:lnTo>
-                  <a:pt x="0" y="0"/>
-                </a:lnTo>
-                <a:close/>
-              </a:path>
-            </a:pathLst>
-          </a:custGeom>
-          <a:solidFill>
-            <a:srgbClr val="FFFFFF"/>
-          </a:solidFill>
-        </p:spPr>
-        <p:txBody>
-          <a:bodyPr wrap="square" lIns="0" tIns="0" rIns="0" bIns="0" rtlCol="0"/>
-          <a:lstStyle/>
-          <a:p>
-            <a:pPr marL="0" marR="0" lvl="0" indent="0" algn="l" defTabSz="914400" rtl="0" eaLnBrk="1" fontAlgn="auto" latinLnBrk="1" hangingPunct="1">
-              <a:lnSpc>
-                <a:spcPct val="100000"/>
-              </a:lnSpc>
-              <a:spcBef>
-                <a:spcPts val="0"/>
-              </a:spcBef>
-              <a:spcAft>
-                <a:spcPts val="0"/>
-              </a:spcAft>
-              <a:buClrTx/>
-              <a:buSzTx/>
-              <a:buFontTx/>
-              <a:buNone/>
-              <a:tabLst/>
-              <a:defRPr/>
-            </a:pPr>
-            <a:endParaRPr kumimoji="0" sz="1800" b="0" i="0" u="none" strike="noStrike" kern="1200" cap="none" spc="0" normalizeH="0" baseline="0" noProof="0">
-              <a:ln>
-                <a:noFill/>
-              </a:ln>
-              <a:solidFill>
-                <a:prstClr val="black"/>
-              </a:solidFill>
-              <a:effectLst/>
-              <a:uLnTx/>
-              <a:uFillTx/>
-              <a:latin typeface="Calibri"/>
-              <a:ea typeface="+mn-ea"/>
-              <a:cs typeface="+mn-cs"/>
-            </a:endParaRPr>
-          </a:p>
-        </p:txBody>
-      </p:sp>
-      <p:sp>
-        <p:nvSpPr>
-          <p:cNvPr id="19" name="object 11">
-            <a:extLst>
-              <a:ext uri="{FF2B5EF4-FFF2-40B4-BE49-F238E27FC236}">
-                <a16:creationId xmlns:a16="http://schemas.microsoft.com/office/drawing/2014/main" id="{379CF5B7-DCD7-4A6F-89AD-DF423FFB159F}"/>
-              </a:ext>
-            </a:extLst>
-          </p:cNvPr>
-          <p:cNvSpPr txBox="1"/>
-          <p:nvPr/>
-        </p:nvSpPr>
-        <p:spPr>
-          <a:xfrm>
-            <a:off x="6185169" y="906999"/>
-            <a:ext cx="6558701" cy="5952912"/>
-          </a:xfrm>
-          <a:prstGeom prst="rect">
-            <a:avLst/>
-          </a:prstGeom>
-        </p:spPr>
-        <p:txBody>
-          <a:bodyPr vert="horz" wrap="square" lIns="0" tIns="134620" rIns="0" bIns="0" rtlCol="0">
-            <a:spAutoFit/>
-          </a:bodyPr>
-          <a:lstStyle/>
-          <a:p>
-            <a:r>
-              <a:rPr lang="en-US" altLang="ko-KR" dirty="0"/>
-              <a:t> def </a:t>
-            </a:r>
-            <a:r>
-              <a:rPr lang="en-US" altLang="ko-KR" dirty="0" err="1"/>
-              <a:t>on_send</a:t>
-            </a:r>
-            <a:r>
-              <a:rPr lang="en-US" altLang="ko-KR" dirty="0"/>
-              <a:t>(self):</a:t>
-            </a:r>
-          </a:p>
-          <a:p>
-            <a:endParaRPr lang="en-US" altLang="ko-KR" dirty="0"/>
-          </a:p>
-          <a:p>
-            <a:r>
-              <a:rPr lang="en-US" altLang="ko-KR" dirty="0"/>
-              <a:t>        data = </a:t>
-            </a:r>
-            <a:r>
-              <a:rPr lang="en-US" altLang="ko-KR" dirty="0" err="1"/>
-              <a:t>self.sdata.get</a:t>
-            </a:r>
-            <a:r>
-              <a:rPr lang="en-US" altLang="ko-KR" dirty="0"/>
-              <a:t>()</a:t>
-            </a:r>
-          </a:p>
-          <a:p>
-            <a:r>
-              <a:rPr lang="en-US" altLang="ko-KR" dirty="0"/>
-              <a:t>        </a:t>
-            </a:r>
-            <a:r>
-              <a:rPr lang="en-US" altLang="ko-KR" dirty="0" err="1"/>
-              <a:t>SerialThread.seq.write</a:t>
-            </a:r>
-            <a:r>
-              <a:rPr lang="en-US" altLang="ko-KR" dirty="0"/>
-              <a:t>(bytes(data, encoding='ascii'))</a:t>
-            </a:r>
-          </a:p>
-          <a:p>
-            <a:endParaRPr lang="en-US" altLang="ko-KR" dirty="0"/>
-          </a:p>
-          <a:p>
-            <a:r>
-              <a:rPr lang="en-US" altLang="ko-KR" dirty="0"/>
-              <a:t>    def </a:t>
-            </a:r>
-            <a:r>
-              <a:rPr lang="en-US" altLang="ko-KR" dirty="0" err="1"/>
-              <a:t>process_serial</a:t>
-            </a:r>
-            <a:r>
-              <a:rPr lang="en-US" altLang="ko-KR" dirty="0"/>
-              <a:t>(self):</a:t>
-            </a:r>
-          </a:p>
-          <a:p>
-            <a:endParaRPr lang="en-US" altLang="ko-KR" dirty="0"/>
-          </a:p>
-          <a:p>
-            <a:r>
-              <a:rPr lang="en-US" altLang="ko-KR" dirty="0"/>
-              <a:t>        while </a:t>
-            </a:r>
-            <a:r>
-              <a:rPr lang="en-US" altLang="ko-KR" dirty="0" err="1"/>
-              <a:t>self.queue.qsize</a:t>
-            </a:r>
-            <a:r>
-              <a:rPr lang="en-US" altLang="ko-KR" dirty="0"/>
-              <a:t>():</a:t>
-            </a:r>
-          </a:p>
-          <a:p>
-            <a:r>
-              <a:rPr lang="en-US" altLang="ko-KR" dirty="0"/>
-              <a:t>            try:</a:t>
-            </a:r>
-          </a:p>
-          <a:p>
-            <a:r>
-              <a:rPr lang="en-US" altLang="ko-KR" dirty="0"/>
-              <a:t>                </a:t>
-            </a:r>
-            <a:r>
-              <a:rPr lang="en-US" altLang="ko-KR" dirty="0" err="1"/>
-              <a:t>received_data</a:t>
-            </a:r>
-            <a:r>
-              <a:rPr lang="en-US" altLang="ko-KR" dirty="0"/>
-              <a:t> = </a:t>
-            </a:r>
-            <a:r>
-              <a:rPr lang="en-US" altLang="ko-KR" dirty="0" err="1"/>
-              <a:t>self.queue.get</a:t>
-            </a:r>
-            <a:r>
-              <a:rPr lang="en-US" altLang="ko-KR" dirty="0"/>
-              <a:t>()</a:t>
-            </a:r>
-          </a:p>
-          <a:p>
-            <a:r>
-              <a:rPr lang="en-US" altLang="ko-KR" dirty="0"/>
-              <a:t>                print("Data received" + str(</a:t>
-            </a:r>
-            <a:r>
-              <a:rPr lang="en-US" altLang="ko-KR" dirty="0" err="1"/>
-              <a:t>received_data</a:t>
-            </a:r>
-            <a:r>
-              <a:rPr lang="en-US" altLang="ko-KR" dirty="0"/>
-              <a:t>))</a:t>
-            </a:r>
-          </a:p>
-          <a:p>
-            <a:endParaRPr lang="en-US" altLang="ko-KR" dirty="0"/>
-          </a:p>
-          <a:p>
-            <a:r>
-              <a:rPr lang="en-US" altLang="ko-KR" dirty="0"/>
-              <a:t>                </a:t>
-            </a:r>
-            <a:r>
-              <a:rPr lang="en-US" altLang="ko-KR" dirty="0" err="1"/>
-              <a:t>self.rdata.config</a:t>
-            </a:r>
-            <a:r>
-              <a:rPr lang="en-US" altLang="ko-KR" dirty="0"/>
-              <a:t>(text=</a:t>
-            </a:r>
-            <a:r>
-              <a:rPr lang="en-US" altLang="ko-KR" dirty="0" err="1"/>
-              <a:t>received_data</a:t>
-            </a:r>
-            <a:r>
-              <a:rPr lang="en-US" altLang="ko-KR" dirty="0"/>
-              <a:t>)</a:t>
-            </a:r>
-          </a:p>
-          <a:p>
-            <a:r>
-              <a:rPr lang="en-US" altLang="ko-KR" dirty="0"/>
-              <a:t>            except </a:t>
-            </a:r>
-            <a:r>
-              <a:rPr lang="en-US" altLang="ko-KR" dirty="0" err="1"/>
-              <a:t>queue.Empty</a:t>
-            </a:r>
-            <a:r>
-              <a:rPr lang="en-US" altLang="ko-KR" dirty="0"/>
-              <a:t>:</a:t>
-            </a:r>
-          </a:p>
-          <a:p>
-            <a:r>
-              <a:rPr lang="en-US" altLang="ko-KR" dirty="0"/>
-              <a:t>                pass</a:t>
-            </a:r>
-          </a:p>
-          <a:p>
-            <a:r>
-              <a:rPr lang="en-US" altLang="ko-KR" dirty="0"/>
-              <a:t>        </a:t>
-            </a:r>
-            <a:r>
-              <a:rPr lang="en-US" altLang="ko-KR" dirty="0" err="1"/>
-              <a:t>self.after</a:t>
-            </a:r>
-            <a:r>
-              <a:rPr lang="en-US" altLang="ko-KR" dirty="0"/>
-              <a:t>(10, </a:t>
-            </a:r>
-            <a:r>
-              <a:rPr lang="en-US" altLang="ko-KR" dirty="0" err="1"/>
-              <a:t>self.process_serial</a:t>
-            </a:r>
-            <a:r>
-              <a:rPr lang="en-US" altLang="ko-KR" dirty="0"/>
-              <a:t>)</a:t>
-            </a:r>
-          </a:p>
-          <a:p>
-            <a:endParaRPr lang="en-US" altLang="ko-KR" dirty="0"/>
-          </a:p>
-          <a:p>
-            <a:r>
-              <a:rPr lang="en-US" altLang="ko-KR" dirty="0" err="1"/>
-              <a:t>app_main</a:t>
-            </a:r>
-            <a:r>
-              <a:rPr lang="en-US" altLang="ko-KR" dirty="0"/>
-              <a:t> = App()</a:t>
-            </a:r>
-          </a:p>
-          <a:p>
-            <a:r>
-              <a:rPr lang="en-US" altLang="ko-KR" dirty="0" err="1"/>
-              <a:t>app_main.mainloop</a:t>
-            </a:r>
-            <a:r>
-              <a:rPr lang="en-US" altLang="ko-KR" dirty="0"/>
-              <a:t>()</a:t>
-            </a:r>
-          </a:p>
-          <a:p>
-            <a:endParaRPr lang="en-US" altLang="ko-KR" dirty="0"/>
-          </a:p>
-          <a:p>
-            <a:r>
-              <a:rPr lang="en-US" altLang="ko-KR" dirty="0" err="1"/>
-              <a:t>SerialThread.is_run</a:t>
-            </a:r>
-            <a:r>
-              <a:rPr lang="en-US" altLang="ko-KR" dirty="0"/>
-              <a:t> = False</a:t>
-            </a:r>
-          </a:p>
-        </p:txBody>
-      </p:sp>
-    </p:spTree>
-    <p:extLst>
-      <p:ext uri="{BB962C8B-B14F-4D97-AF65-F5344CB8AC3E}">
-        <p14:creationId xmlns:p14="http://schemas.microsoft.com/office/powerpoint/2010/main" val="818298259"/>
       </p:ext>
     </p:extLst>
   </p:cSld>
